--- a/public/assets/documents/диплом/Волков Диплом.pptx
+++ b/public/assets/documents/диплом/Волков Диплом.pptx
@@ -5,13 +5,15 @@
     <p:sldMasterId id="2147483684" r:id="rId1"/>
   </p:sldMasterIdLst>
   <p:notesMasterIdLst>
-    <p:notesMasterId r:id="rId6"/>
+    <p:notesMasterId r:id="rId8"/>
   </p:notesMasterIdLst>
   <p:sldIdLst>
     <p:sldId id="256" r:id="rId2"/>
     <p:sldId id="368" r:id="rId3"/>
     <p:sldId id="367" r:id="rId4"/>
-    <p:sldId id="259" r:id="rId5"/>
+    <p:sldId id="369" r:id="rId5"/>
+    <p:sldId id="370" r:id="rId6"/>
+    <p:sldId id="371" r:id="rId7"/>
   </p:sldIdLst>
   <p:sldSz cx="12192000" cy="6858000"/>
   <p:notesSz cx="6858000" cy="9144000"/>
@@ -200,7 +202,7 @@
           <a:p>
             <a:fld id="{CC8522EC-06C3-47FE-87D5-28E1753D79AA}" type="datetimeFigureOut">
               <a:rPr lang="ru-RU" smtClean="0"/>
-              <a:t>16.06.2025</a:t>
+              <a:t>17.06.2025</a:t>
             </a:fld>
             <a:endParaRPr lang="ru-RU"/>
           </a:p>
@@ -955,23 +957,431 @@
                 <a:spcPts val="600"/>
               </a:spcAft>
             </a:pPr>
-            <a:r>
-              <a:rPr lang="ru-RU" i="1" dirty="0">
-                <a:latin typeface="Tahoma" panose="020B0604030504040204" pitchFamily="34" charset="0"/>
-                <a:ea typeface="Tahoma" panose="020B0604030504040204" pitchFamily="34" charset="0"/>
-                <a:cs typeface="Tahoma" panose="020B0604030504040204" pitchFamily="34" charset="0"/>
-              </a:rPr>
-              <a:t>При разработке сайта использовались </a:t>
-            </a:r>
-            <a:r>
-              <a:rPr lang="ru-RU" i="1" dirty="0" smtClean="0">
-                <a:latin typeface="Tahoma" panose="020B0604030504040204" pitchFamily="34" charset="0"/>
-                <a:ea typeface="Tahoma" panose="020B0604030504040204" pitchFamily="34" charset="0"/>
-                <a:cs typeface="Tahoma" panose="020B0604030504040204" pitchFamily="34" charset="0"/>
-              </a:rPr>
-              <a:t>следующие программные обеспечения и СУБД:</a:t>
-            </a:r>
-          </a:p>
+            <a:endParaRPr lang="ru-RU" i="1" dirty="0">
+              <a:latin typeface="Tahoma" panose="020B0604030504040204" pitchFamily="34" charset="0"/>
+              <a:ea typeface="Tahoma" panose="020B0604030504040204" pitchFamily="34" charset="0"/>
+              <a:cs typeface="Tahoma" panose="020B0604030504040204" pitchFamily="34" charset="0"/>
+            </a:endParaRPr>
+          </a:p>
+        </p:txBody>
+      </p:sp>
+      <p:sp>
+        <p:nvSpPr>
+          <p:cNvPr id="4" name="Номер слайда 3"/>
+          <p:cNvSpPr>
+            <a:spLocks noGrp="1"/>
+          </p:cNvSpPr>
+          <p:nvPr>
+            <p:ph type="sldNum" sz="quarter" idx="5"/>
+          </p:nvPr>
+        </p:nvSpPr>
+        <p:spPr/>
+        <p:txBody>
+          <a:bodyPr/>
+          <a:lstStyle/>
+          <a:p>
+            <a:fld id="{4AEA5B54-7D55-4F91-8E4E-27DBED653552}" type="slidenum">
+              <a:rPr lang="ru-RU" smtClean="0"/>
+              <a:t>4</a:t>
+            </a:fld>
+            <a:endParaRPr lang="ru-RU"/>
+          </a:p>
+        </p:txBody>
+      </p:sp>
+    </p:spTree>
+    <p:extLst>
+      <p:ext uri="{BB962C8B-B14F-4D97-AF65-F5344CB8AC3E}">
+        <p14:creationId xmlns:p14="http://schemas.microsoft.com/office/powerpoint/2010/main" val="1321887152"/>
+      </p:ext>
+    </p:extLst>
+  </p:cSld>
+  <p:clrMapOvr>
+    <a:masterClrMapping/>
+  </p:clrMapOvr>
+</p:notes>
+</file>
+
+<file path=ppt/notesSlides/notesSlide5.xml><?xml version="1.0" encoding="utf-8"?>
+<p:notes xmlns:a="http://schemas.openxmlformats.org/drawingml/2006/main" xmlns:r="http://schemas.openxmlformats.org/officeDocument/2006/relationships" xmlns:p="http://schemas.openxmlformats.org/presentationml/2006/main">
+  <p:cSld>
+    <p:spTree>
+      <p:nvGrpSpPr>
+        <p:cNvPr id="1" name=""/>
+        <p:cNvGrpSpPr/>
+        <p:nvPr/>
+      </p:nvGrpSpPr>
+      <p:grpSpPr>
+        <a:xfrm>
+          <a:off x="0" y="0"/>
+          <a:ext cx="0" cy="0"/>
+          <a:chOff x="0" y="0"/>
+          <a:chExt cx="0" cy="0"/>
+        </a:xfrm>
+      </p:grpSpPr>
+      <p:sp>
+        <p:nvSpPr>
+          <p:cNvPr id="2" name="Образ слайда 1"/>
+          <p:cNvSpPr>
+            <a:spLocks noGrp="1" noRot="1" noChangeAspect="1"/>
+          </p:cNvSpPr>
+          <p:nvPr>
+            <p:ph type="sldImg"/>
+          </p:nvPr>
+        </p:nvSpPr>
+        <p:spPr/>
+      </p:sp>
+      <p:sp>
+        <p:nvSpPr>
+          <p:cNvPr id="3" name="Заметки 2"/>
+          <p:cNvSpPr>
+            <a:spLocks noGrp="1"/>
+          </p:cNvSpPr>
+          <p:nvPr>
+            <p:ph type="body" idx="1"/>
+          </p:nvPr>
+        </p:nvSpPr>
+        <p:spPr/>
+        <p:txBody>
+          <a:bodyPr/>
+          <a:lstStyle/>
+          <a:p>
+            <a:r>
+              <a:rPr lang="ru-RU" sz="1200" kern="1200" dirty="0" smtClean="0">
+                <a:solidFill>
+                  <a:schemeClr val="tx1"/>
+                </a:solidFill>
+                <a:effectLst/>
+                <a:latin typeface="+mn-lt"/>
+                <a:ea typeface="+mn-ea"/>
+                <a:cs typeface="+mn-cs"/>
+              </a:rPr>
+              <a:t>В ходе выполнения дипломного проекта было разработано и спроектировано веб-приложение </a:t>
+            </a:r>
+            <a:r>
+              <a:rPr lang="ru-RU" sz="1200" b="1" kern="1200" dirty="0" smtClean="0">
+                <a:solidFill>
+                  <a:schemeClr val="tx1"/>
+                </a:solidFill>
+                <a:effectLst/>
+                <a:latin typeface="+mn-lt"/>
+                <a:ea typeface="+mn-ea"/>
+                <a:cs typeface="+mn-cs"/>
+              </a:rPr>
+              <a:t>«</a:t>
+            </a:r>
+            <a:r>
+              <a:rPr lang="ru-RU" sz="1200" kern="1200" dirty="0" smtClean="0">
+                <a:solidFill>
+                  <a:schemeClr val="tx1"/>
+                </a:solidFill>
+                <a:effectLst/>
+                <a:latin typeface="+mn-lt"/>
+                <a:ea typeface="+mn-ea"/>
+                <a:cs typeface="+mn-cs"/>
+              </a:rPr>
+              <a:t>Библиотека ИИ и его эффективное использование</a:t>
+            </a:r>
+            <a:r>
+              <a:rPr lang="ru-RU" sz="1200" b="1" kern="1200" dirty="0" smtClean="0">
+                <a:solidFill>
+                  <a:schemeClr val="tx1"/>
+                </a:solidFill>
+                <a:effectLst/>
+                <a:latin typeface="+mn-lt"/>
+                <a:ea typeface="+mn-ea"/>
+                <a:cs typeface="+mn-cs"/>
+              </a:rPr>
+              <a:t>»</a:t>
+            </a:r>
+            <a:r>
+              <a:rPr lang="ru-RU" sz="1200" kern="1200" dirty="0" smtClean="0">
+                <a:solidFill>
+                  <a:schemeClr val="tx1"/>
+                </a:solidFill>
+                <a:effectLst/>
+                <a:latin typeface="+mn-lt"/>
+                <a:ea typeface="+mn-ea"/>
+                <a:cs typeface="+mn-cs"/>
+              </a:rPr>
+              <a:t>, предоставляющее пользователям удобный доступ к материалам по искусственному интеллекту, а также платформу для обмена знаниями и опытом.</a:t>
+            </a:r>
+          </a:p>
+          <a:p>
+            <a:r>
+              <a:rPr lang="ru-RU" sz="1200" kern="1200" dirty="0" smtClean="0">
+                <a:solidFill>
+                  <a:schemeClr val="tx1"/>
+                </a:solidFill>
+                <a:effectLst/>
+                <a:latin typeface="+mn-lt"/>
+                <a:ea typeface="+mn-ea"/>
+                <a:cs typeface="+mn-cs"/>
+              </a:rPr>
+              <a:t>В процессе работы поставленная цель была достигнута и были успешно выполнены все поставленные задачи, а именно:</a:t>
+            </a:r>
+          </a:p>
+          <a:p>
+            <a:pPr lvl="0"/>
+            <a:r>
+              <a:rPr lang="ru-RU" sz="1200" kern="1200" dirty="0" smtClean="0">
+                <a:solidFill>
+                  <a:schemeClr val="tx1"/>
+                </a:solidFill>
+                <a:effectLst/>
+                <a:latin typeface="+mn-lt"/>
+                <a:ea typeface="+mn-ea"/>
+                <a:cs typeface="+mn-cs"/>
+              </a:rPr>
+              <a:t>Спроектировать и разработать базу данных для веб-приложения.</a:t>
+            </a:r>
+          </a:p>
+          <a:p>
+            <a:pPr lvl="0"/>
+            <a:r>
+              <a:rPr lang="ru-RU" sz="1200" kern="1200" dirty="0" smtClean="0">
+                <a:solidFill>
+                  <a:schemeClr val="tx1"/>
+                </a:solidFill>
+                <a:effectLst/>
+                <a:latin typeface="+mn-lt"/>
+                <a:ea typeface="+mn-ea"/>
+                <a:cs typeface="+mn-cs"/>
+              </a:rPr>
+              <a:t>Реализовать серверную часть веб-приложения на </a:t>
+            </a:r>
+            <a:r>
+              <a:rPr lang="ru-RU" sz="1200" kern="1200" dirty="0" err="1" smtClean="0">
+                <a:solidFill>
+                  <a:schemeClr val="tx1"/>
+                </a:solidFill>
+                <a:effectLst/>
+                <a:latin typeface="+mn-lt"/>
+                <a:ea typeface="+mn-ea"/>
+                <a:cs typeface="+mn-cs"/>
+              </a:rPr>
+              <a:t>Laravel</a:t>
+            </a:r>
+            <a:r>
+              <a:rPr lang="ru-RU" sz="1200" kern="1200" dirty="0" smtClean="0">
+                <a:solidFill>
+                  <a:schemeClr val="tx1"/>
+                </a:solidFill>
+                <a:effectLst/>
+                <a:latin typeface="+mn-lt"/>
+                <a:ea typeface="+mn-ea"/>
+                <a:cs typeface="+mn-cs"/>
+              </a:rPr>
+              <a:t>.</a:t>
+            </a:r>
+          </a:p>
+          <a:p>
+            <a:pPr lvl="0"/>
+            <a:r>
+              <a:rPr lang="ru-RU" sz="1200" kern="1200" dirty="0" smtClean="0">
+                <a:solidFill>
+                  <a:schemeClr val="tx1"/>
+                </a:solidFill>
+                <a:effectLst/>
+                <a:latin typeface="+mn-lt"/>
+                <a:ea typeface="+mn-ea"/>
+                <a:cs typeface="+mn-cs"/>
+              </a:rPr>
+              <a:t>Разработать макет пользовательского интерфейса в </a:t>
+            </a:r>
+            <a:r>
+              <a:rPr lang="ru-RU" sz="1200" kern="1200" dirty="0" err="1" smtClean="0">
+                <a:solidFill>
+                  <a:schemeClr val="tx1"/>
+                </a:solidFill>
+                <a:effectLst/>
+                <a:latin typeface="+mn-lt"/>
+                <a:ea typeface="+mn-ea"/>
+                <a:cs typeface="+mn-cs"/>
+              </a:rPr>
+              <a:t>Figma</a:t>
+            </a:r>
+            <a:r>
+              <a:rPr lang="ru-RU" sz="1200" kern="1200" dirty="0" smtClean="0">
+                <a:solidFill>
+                  <a:schemeClr val="tx1"/>
+                </a:solidFill>
+                <a:effectLst/>
+                <a:latin typeface="+mn-lt"/>
+                <a:ea typeface="+mn-ea"/>
+                <a:cs typeface="+mn-cs"/>
+              </a:rPr>
+              <a:t>.</a:t>
+            </a:r>
+          </a:p>
+          <a:p>
+            <a:pPr lvl="0"/>
+            <a:r>
+              <a:rPr lang="ru-RU" sz="1200" kern="1200" dirty="0" smtClean="0">
+                <a:solidFill>
+                  <a:schemeClr val="tx1"/>
+                </a:solidFill>
+                <a:effectLst/>
+                <a:latin typeface="+mn-lt"/>
+                <a:ea typeface="+mn-ea"/>
+                <a:cs typeface="+mn-cs"/>
+              </a:rPr>
+              <a:t>Создать клиентскую часть веб-приложения с использованием HTML, CSS и </a:t>
+            </a:r>
+            <a:r>
+              <a:rPr lang="ru-RU" sz="1200" kern="1200" dirty="0" err="1" smtClean="0">
+                <a:solidFill>
+                  <a:schemeClr val="tx1"/>
+                </a:solidFill>
+                <a:effectLst/>
+                <a:latin typeface="+mn-lt"/>
+                <a:ea typeface="+mn-ea"/>
+                <a:cs typeface="+mn-cs"/>
+              </a:rPr>
+              <a:t>JavaScript</a:t>
+            </a:r>
+            <a:r>
+              <a:rPr lang="ru-RU" sz="1200" kern="1200" dirty="0" smtClean="0">
+                <a:solidFill>
+                  <a:schemeClr val="tx1"/>
+                </a:solidFill>
+                <a:effectLst/>
+                <a:latin typeface="+mn-lt"/>
+                <a:ea typeface="+mn-ea"/>
+                <a:cs typeface="+mn-cs"/>
+              </a:rPr>
+              <a:t>.</a:t>
+            </a:r>
+          </a:p>
+          <a:p>
+            <a:pPr lvl="0"/>
+            <a:r>
+              <a:rPr lang="ru-RU" sz="1200" kern="1200" dirty="0" smtClean="0">
+                <a:solidFill>
+                  <a:schemeClr val="tx1"/>
+                </a:solidFill>
+                <a:effectLst/>
+                <a:latin typeface="+mn-lt"/>
+                <a:ea typeface="+mn-ea"/>
+                <a:cs typeface="+mn-cs"/>
+              </a:rPr>
+              <a:t>Провести ручное тестирование функционала, выявить и устранить ошибки.</a:t>
+            </a:r>
+          </a:p>
+          <a:p>
+            <a:r>
+              <a:rPr lang="ru-RU" sz="1200" kern="1200" dirty="0" smtClean="0">
+                <a:solidFill>
+                  <a:schemeClr val="tx1"/>
+                </a:solidFill>
+                <a:effectLst/>
+                <a:latin typeface="+mn-lt"/>
+                <a:ea typeface="+mn-ea"/>
+                <a:cs typeface="+mn-cs"/>
+              </a:rPr>
+              <a:t>В дальнейшем проект может быть расширен за счет интеграции новых функций, что повысит его ценность и охват аудитории.</a:t>
+            </a:r>
+            <a:br>
+              <a:rPr lang="ru-RU" sz="1200" kern="1200" dirty="0" smtClean="0">
+                <a:solidFill>
+                  <a:schemeClr val="tx1"/>
+                </a:solidFill>
+                <a:effectLst/>
+                <a:latin typeface="+mn-lt"/>
+                <a:ea typeface="+mn-ea"/>
+                <a:cs typeface="+mn-cs"/>
+              </a:rPr>
+            </a:br>
+            <a:endParaRPr lang="ru-RU" sz="1200" kern="1200" dirty="0">
+              <a:solidFill>
+                <a:schemeClr val="tx1"/>
+              </a:solidFill>
+              <a:effectLst/>
+              <a:latin typeface="+mn-lt"/>
+              <a:ea typeface="+mn-ea"/>
+              <a:cs typeface="+mn-cs"/>
+            </a:endParaRPr>
+          </a:p>
+        </p:txBody>
+      </p:sp>
+      <p:sp>
+        <p:nvSpPr>
+          <p:cNvPr id="4" name="Номер слайда 3"/>
+          <p:cNvSpPr>
+            <a:spLocks noGrp="1"/>
+          </p:cNvSpPr>
+          <p:nvPr>
+            <p:ph type="sldNum" sz="quarter" idx="5"/>
+          </p:nvPr>
+        </p:nvSpPr>
+        <p:spPr/>
+        <p:txBody>
+          <a:bodyPr/>
+          <a:lstStyle/>
+          <a:p>
+            <a:fld id="{4AEA5B54-7D55-4F91-8E4E-27DBED653552}" type="slidenum">
+              <a:rPr lang="ru-RU" smtClean="0"/>
+              <a:t>5</a:t>
+            </a:fld>
+            <a:endParaRPr lang="ru-RU"/>
+          </a:p>
+        </p:txBody>
+      </p:sp>
+    </p:spTree>
+    <p:extLst>
+      <p:ext uri="{BB962C8B-B14F-4D97-AF65-F5344CB8AC3E}">
+        <p14:creationId xmlns:p14="http://schemas.microsoft.com/office/powerpoint/2010/main" val="120926383"/>
+      </p:ext>
+    </p:extLst>
+  </p:cSld>
+  <p:clrMapOvr>
+    <a:masterClrMapping/>
+  </p:clrMapOvr>
+</p:notes>
+</file>
+
+<file path=ppt/notesSlides/notesSlide6.xml><?xml version="1.0" encoding="utf-8"?>
+<p:notes xmlns:a="http://schemas.openxmlformats.org/drawingml/2006/main" xmlns:r="http://schemas.openxmlformats.org/officeDocument/2006/relationships" xmlns:p="http://schemas.openxmlformats.org/presentationml/2006/main">
+  <p:cSld>
+    <p:spTree>
+      <p:nvGrpSpPr>
+        <p:cNvPr id="1" name=""/>
+        <p:cNvGrpSpPr/>
+        <p:nvPr/>
+      </p:nvGrpSpPr>
+      <p:grpSpPr>
+        <a:xfrm>
+          <a:off x="0" y="0"/>
+          <a:ext cx="0" cy="0"/>
+          <a:chOff x="0" y="0"/>
+          <a:chExt cx="0" cy="0"/>
+        </a:xfrm>
+      </p:grpSpPr>
+      <p:sp>
+        <p:nvSpPr>
+          <p:cNvPr id="2" name="Образ слайда 1"/>
+          <p:cNvSpPr>
+            <a:spLocks noGrp="1" noRot="1" noChangeAspect="1"/>
+          </p:cNvSpPr>
+          <p:nvPr>
+            <p:ph type="sldImg"/>
+          </p:nvPr>
+        </p:nvSpPr>
+        <p:spPr/>
+      </p:sp>
+      <p:sp>
+        <p:nvSpPr>
+          <p:cNvPr id="3" name="Заметки 2"/>
+          <p:cNvSpPr>
+            <a:spLocks noGrp="1"/>
+          </p:cNvSpPr>
+          <p:nvPr>
+            <p:ph type="body" idx="1"/>
+          </p:nvPr>
+        </p:nvSpPr>
+        <p:spPr/>
+        <p:txBody>
+          <a:bodyPr/>
+          <a:lstStyle/>
           <a:p>
             <a:pPr indent="450215" algn="just">
               <a:lnSpc>
@@ -981,655 +1391,12 @@
                 <a:spcPts val="600"/>
               </a:spcAft>
             </a:pPr>
-            <a:r>
-              <a:rPr lang="ru-RU" i="1" dirty="0" smtClean="0">
-                <a:latin typeface="Tahoma" panose="020B0604030504040204" pitchFamily="34" charset="0"/>
-                <a:ea typeface="Tahoma" panose="020B0604030504040204" pitchFamily="34" charset="0"/>
-                <a:cs typeface="Tahoma" panose="020B0604030504040204" pitchFamily="34" charset="0"/>
-              </a:rPr>
-              <a:t>Для фронтенд части:</a:t>
-            </a:r>
             <a:endParaRPr lang="ru-RU" i="1" dirty="0">
               <a:latin typeface="Tahoma" panose="020B0604030504040204" pitchFamily="34" charset="0"/>
               <a:ea typeface="Tahoma" panose="020B0604030504040204" pitchFamily="34" charset="0"/>
               <a:cs typeface="Tahoma" panose="020B0604030504040204" pitchFamily="34" charset="0"/>
             </a:endParaRPr>
           </a:p>
-          <a:p>
-            <a:pPr marL="0" indent="0" algn="just">
-              <a:lnSpc>
-                <a:spcPct val="115000"/>
-              </a:lnSpc>
-              <a:spcAft>
-                <a:spcPts val="600"/>
-              </a:spcAft>
-              <a:buFont typeface="+mj-lt"/>
-              <a:buNone/>
-            </a:pPr>
-            <a:r>
-              <a:rPr lang="en-US" sz="1200" b="0" i="0" kern="1200" dirty="0" smtClean="0">
-                <a:solidFill>
-                  <a:schemeClr val="tx1"/>
-                </a:solidFill>
-                <a:effectLst/>
-                <a:latin typeface="+mn-lt"/>
-                <a:ea typeface="+mn-ea"/>
-                <a:cs typeface="+mn-cs"/>
-              </a:rPr>
-              <a:t>	</a:t>
-            </a:r>
-            <a:r>
-              <a:rPr lang="ru-RU" sz="1200" b="0" i="0" kern="1200" dirty="0" smtClean="0">
-                <a:solidFill>
-                  <a:schemeClr val="tx1"/>
-                </a:solidFill>
-                <a:effectLst/>
-                <a:latin typeface="+mn-lt"/>
-                <a:ea typeface="+mn-ea"/>
-                <a:cs typeface="+mn-cs"/>
-              </a:rPr>
-              <a:t>Figma — онлайн-сервис для разработки интерфейсов</a:t>
-            </a:r>
-            <a:endParaRPr lang="en-US" sz="1200" b="0" i="0" kern="1200" dirty="0" smtClean="0">
-              <a:solidFill>
-                <a:schemeClr val="tx1"/>
-              </a:solidFill>
-              <a:effectLst/>
-              <a:latin typeface="+mn-lt"/>
-              <a:ea typeface="+mn-ea"/>
-              <a:cs typeface="+mn-cs"/>
-            </a:endParaRPr>
-          </a:p>
-          <a:p>
-            <a:pPr marL="0" indent="0" algn="just">
-              <a:lnSpc>
-                <a:spcPct val="115000"/>
-              </a:lnSpc>
-              <a:spcAft>
-                <a:spcPts val="600"/>
-              </a:spcAft>
-              <a:buFont typeface="+mj-lt"/>
-              <a:buNone/>
-            </a:pPr>
-            <a:r>
-              <a:rPr lang="en-US" i="1" dirty="0" smtClean="0">
-                <a:latin typeface="Tahoma" panose="020B0604030504040204" pitchFamily="34" charset="0"/>
-                <a:ea typeface="Tahoma" panose="020B0604030504040204" pitchFamily="34" charset="0"/>
-                <a:cs typeface="Tahoma" panose="020B0604030504040204" pitchFamily="34" charset="0"/>
-              </a:rPr>
-              <a:t>	WEBStorm</a:t>
-            </a:r>
-            <a:r>
-              <a:rPr lang="ru-RU" i="1" dirty="0" smtClean="0">
-                <a:latin typeface="Tahoma" panose="020B0604030504040204" pitchFamily="34" charset="0"/>
-                <a:ea typeface="Tahoma" panose="020B0604030504040204" pitchFamily="34" charset="0"/>
-                <a:cs typeface="Tahoma" panose="020B0604030504040204" pitchFamily="34" charset="0"/>
-              </a:rPr>
-              <a:t> -</a:t>
-            </a:r>
-            <a:r>
-              <a:rPr lang="en-US" i="1" dirty="0" smtClean="0">
-                <a:latin typeface="Tahoma" panose="020B0604030504040204" pitchFamily="34" charset="0"/>
-                <a:ea typeface="Tahoma" panose="020B0604030504040204" pitchFamily="34" charset="0"/>
-                <a:cs typeface="Tahoma" panose="020B0604030504040204" pitchFamily="34" charset="0"/>
-              </a:rPr>
-              <a:t> </a:t>
-            </a:r>
-            <a:r>
-              <a:rPr lang="ru-RU" i="1" dirty="0">
-                <a:latin typeface="Tahoma" panose="020B0604030504040204" pitchFamily="34" charset="0"/>
-                <a:ea typeface="Tahoma" panose="020B0604030504040204" pitchFamily="34" charset="0"/>
-                <a:cs typeface="Tahoma" panose="020B0604030504040204" pitchFamily="34" charset="0"/>
-              </a:rPr>
-              <a:t>для </a:t>
-            </a:r>
-            <a:r>
-              <a:rPr lang="ru-RU" i="1" dirty="0" smtClean="0">
-                <a:latin typeface="Tahoma" panose="020B0604030504040204" pitchFamily="34" charset="0"/>
-                <a:ea typeface="Tahoma" panose="020B0604030504040204" pitchFamily="34" charset="0"/>
-                <a:cs typeface="Tahoma" panose="020B0604030504040204" pitchFamily="34" charset="0"/>
-              </a:rPr>
-              <a:t>верстки фронтенд части проекта</a:t>
-            </a:r>
-            <a:r>
-              <a:rPr lang="en-US" i="1" dirty="0" smtClean="0">
-                <a:latin typeface="Tahoma" panose="020B0604030504040204" pitchFamily="34" charset="0"/>
-                <a:ea typeface="Tahoma" panose="020B0604030504040204" pitchFamily="34" charset="0"/>
-                <a:cs typeface="Tahoma" panose="020B0604030504040204" pitchFamily="34" charset="0"/>
-              </a:rPr>
-              <a:t>; </a:t>
-            </a:r>
-            <a:r>
-              <a:rPr lang="ru-RU" sz="1200" b="0" i="0" kern="1200" dirty="0" err="1" smtClean="0">
-                <a:solidFill>
-                  <a:schemeClr val="tx1"/>
-                </a:solidFill>
-                <a:effectLst/>
-                <a:latin typeface="+mn-lt"/>
-                <a:ea typeface="+mn-ea"/>
-                <a:cs typeface="+mn-cs"/>
-              </a:rPr>
-              <a:t>WebStorm</a:t>
-            </a:r>
-            <a:r>
-              <a:rPr lang="ru-RU" sz="1200" b="0" i="0" kern="1200" dirty="0" smtClean="0">
-                <a:solidFill>
-                  <a:schemeClr val="tx1"/>
-                </a:solidFill>
-                <a:effectLst/>
-                <a:latin typeface="+mn-lt"/>
-                <a:ea typeface="+mn-ea"/>
-                <a:cs typeface="+mn-cs"/>
-              </a:rPr>
-              <a:t> обеспечивает </a:t>
-            </a:r>
-            <a:r>
-              <a:rPr lang="ru-RU" sz="1200" b="0" i="0" kern="1200" dirty="0" err="1" smtClean="0">
-                <a:solidFill>
-                  <a:schemeClr val="tx1"/>
-                </a:solidFill>
-                <a:effectLst/>
-                <a:latin typeface="+mn-lt"/>
-                <a:ea typeface="+mn-ea"/>
-                <a:cs typeface="+mn-cs"/>
-              </a:rPr>
-              <a:t>автодополнение</a:t>
-            </a:r>
-            <a:r>
-              <a:rPr lang="ru-RU" sz="1200" b="0" i="0" kern="1200" dirty="0" smtClean="0">
-                <a:solidFill>
-                  <a:schemeClr val="tx1"/>
-                </a:solidFill>
-                <a:effectLst/>
-                <a:latin typeface="+mn-lt"/>
-                <a:ea typeface="+mn-ea"/>
-                <a:cs typeface="+mn-cs"/>
-              </a:rPr>
-              <a:t>, анализ кода на лету, навигацию по коду, рефакторинг, отладку, и интеграцию с системами управления версиями.</a:t>
-            </a:r>
-            <a:endParaRPr lang="ru-RU" i="1" dirty="0" smtClean="0">
-              <a:latin typeface="Tahoma" panose="020B0604030504040204" pitchFamily="34" charset="0"/>
-              <a:ea typeface="Tahoma" panose="020B0604030504040204" pitchFamily="34" charset="0"/>
-              <a:cs typeface="Tahoma" panose="020B0604030504040204" pitchFamily="34" charset="0"/>
-            </a:endParaRPr>
-          </a:p>
-          <a:p>
-            <a:pPr marL="0" indent="0" algn="just">
-              <a:lnSpc>
-                <a:spcPct val="115000"/>
-              </a:lnSpc>
-              <a:spcAft>
-                <a:spcPts val="600"/>
-              </a:spcAft>
-              <a:buFont typeface="+mj-lt"/>
-              <a:buNone/>
-            </a:pPr>
-            <a:endParaRPr lang="ru-RU" i="1" dirty="0" smtClean="0">
-              <a:latin typeface="Tahoma" panose="020B0604030504040204" pitchFamily="34" charset="0"/>
-              <a:ea typeface="Tahoma" panose="020B0604030504040204" pitchFamily="34" charset="0"/>
-              <a:cs typeface="Tahoma" panose="020B0604030504040204" pitchFamily="34" charset="0"/>
-            </a:endParaRPr>
-          </a:p>
-          <a:p>
-            <a:pPr marL="0" marR="0" indent="0" algn="just" defTabSz="914400" rtl="0" eaLnBrk="1" fontAlgn="auto" latinLnBrk="0" hangingPunct="1">
-              <a:lnSpc>
-                <a:spcPct val="115000"/>
-              </a:lnSpc>
-              <a:spcBef>
-                <a:spcPts val="0"/>
-              </a:spcBef>
-              <a:spcAft>
-                <a:spcPts val="600"/>
-              </a:spcAft>
-              <a:buClrTx/>
-              <a:buSzTx/>
-              <a:buFont typeface="+mj-lt"/>
-              <a:buNone/>
-              <a:tabLst/>
-              <a:defRPr/>
-            </a:pPr>
-            <a:r>
-              <a:rPr lang="ru-RU" i="1" dirty="0" smtClean="0">
-                <a:latin typeface="Tahoma" panose="020B0604030504040204" pitchFamily="34" charset="0"/>
-                <a:ea typeface="Tahoma" panose="020B0604030504040204" pitchFamily="34" charset="0"/>
-                <a:cs typeface="Tahoma" panose="020B0604030504040204" pitchFamily="34" charset="0"/>
-              </a:rPr>
-              <a:t>          Для бэкенд части:</a:t>
-            </a:r>
-          </a:p>
-          <a:p>
-            <a:pPr marL="0" indent="0" algn="just">
-              <a:lnSpc>
-                <a:spcPct val="115000"/>
-              </a:lnSpc>
-              <a:spcAft>
-                <a:spcPts val="600"/>
-              </a:spcAft>
-              <a:buFont typeface="+mj-lt"/>
-              <a:buNone/>
-            </a:pPr>
-            <a:r>
-              <a:rPr lang="en-US" i="1" dirty="0" smtClean="0">
-                <a:latin typeface="Tahoma" panose="020B0604030504040204" pitchFamily="34" charset="0"/>
-                <a:ea typeface="Tahoma" panose="020B0604030504040204" pitchFamily="34" charset="0"/>
-                <a:cs typeface="Tahoma" panose="020B0604030504040204" pitchFamily="34" charset="0"/>
-              </a:rPr>
-              <a:t>	PhpStorm</a:t>
-            </a:r>
-            <a:r>
-              <a:rPr lang="ru-RU" i="1" dirty="0" smtClean="0">
-                <a:latin typeface="Tahoma" panose="020B0604030504040204" pitchFamily="34" charset="0"/>
-                <a:ea typeface="Tahoma" panose="020B0604030504040204" pitchFamily="34" charset="0"/>
-                <a:cs typeface="Tahoma" panose="020B0604030504040204" pitchFamily="34" charset="0"/>
-              </a:rPr>
-              <a:t> - </a:t>
-            </a:r>
-            <a:r>
-              <a:rPr lang="en-US" i="1" baseline="0" dirty="0" smtClean="0">
-                <a:latin typeface="Tahoma" panose="020B0604030504040204" pitchFamily="34" charset="0"/>
-                <a:ea typeface="Tahoma" panose="020B0604030504040204" pitchFamily="34" charset="0"/>
-                <a:cs typeface="Tahoma" panose="020B0604030504040204" pitchFamily="34" charset="0"/>
-              </a:rPr>
-              <a:t> </a:t>
-            </a:r>
-            <a:r>
-              <a:rPr lang="ru-RU" i="1" baseline="0" dirty="0" smtClean="0">
-                <a:latin typeface="Tahoma" panose="020B0604030504040204" pitchFamily="34" charset="0"/>
-                <a:ea typeface="Tahoma" panose="020B0604030504040204" pitchFamily="34" charset="0"/>
-                <a:cs typeface="Tahoma" panose="020B0604030504040204" pitchFamily="34" charset="0"/>
-              </a:rPr>
-              <a:t>для разработки Бэкэнд части проекта.</a:t>
-            </a:r>
-            <a:r>
-              <a:rPr lang="en-US" i="1" baseline="0" dirty="0" smtClean="0">
-                <a:latin typeface="Tahoma" panose="020B0604030504040204" pitchFamily="34" charset="0"/>
-                <a:ea typeface="Tahoma" panose="020B0604030504040204" pitchFamily="34" charset="0"/>
-                <a:cs typeface="Tahoma" panose="020B0604030504040204" pitchFamily="34" charset="0"/>
-              </a:rPr>
-              <a:t> </a:t>
-            </a:r>
-            <a:r>
-              <a:rPr lang="ru-RU" sz="1200" b="0" i="0" kern="1200" dirty="0" smtClean="0">
-                <a:solidFill>
-                  <a:schemeClr val="tx1"/>
-                </a:solidFill>
-                <a:effectLst/>
-                <a:latin typeface="+mn-lt"/>
-                <a:ea typeface="+mn-ea"/>
-                <a:cs typeface="+mn-cs"/>
-              </a:rPr>
-              <a:t>PhpStorm представляет собой интеллектуальный редактор для PHP, HTML и JavaScript </a:t>
-            </a:r>
-            <a:endParaRPr lang="en-US" sz="1200" b="0" i="0" kern="1200" dirty="0" smtClean="0">
-              <a:solidFill>
-                <a:schemeClr val="tx1"/>
-              </a:solidFill>
-              <a:effectLst/>
-              <a:latin typeface="+mn-lt"/>
-              <a:ea typeface="+mn-ea"/>
-              <a:cs typeface="+mn-cs"/>
-            </a:endParaRPr>
-          </a:p>
-          <a:p>
-            <a:pPr marL="0" indent="0" algn="just">
-              <a:lnSpc>
-                <a:spcPct val="115000"/>
-              </a:lnSpc>
-              <a:spcAft>
-                <a:spcPts val="600"/>
-              </a:spcAft>
-              <a:buFont typeface="+mj-lt"/>
-              <a:buNone/>
-            </a:pPr>
-            <a:r>
-              <a:rPr lang="en-US" sz="1200" b="0" i="0" kern="1200" dirty="0" smtClean="0">
-                <a:solidFill>
-                  <a:schemeClr val="tx1"/>
-                </a:solidFill>
-                <a:effectLst/>
-                <a:latin typeface="+mn-lt"/>
-                <a:ea typeface="+mn-ea"/>
-                <a:cs typeface="+mn-cs"/>
-              </a:rPr>
-              <a:t>		</a:t>
-            </a:r>
-            <a:r>
-              <a:rPr lang="ru-RU" sz="1200" b="0" i="0" kern="1200" dirty="0" smtClean="0">
-                <a:solidFill>
-                  <a:schemeClr val="tx1"/>
-                </a:solidFill>
-                <a:effectLst/>
-                <a:latin typeface="+mn-lt"/>
-                <a:ea typeface="+mn-ea"/>
-                <a:cs typeface="+mn-cs"/>
-              </a:rPr>
-              <a:t>с возможностями анализа кода на лету, предотвращения ошибок в коде и автоматизированными средствами рефакторинга для PHP и JavaScript.</a:t>
-            </a:r>
-            <a:endParaRPr lang="en-US" sz="1200" b="0" i="0" kern="1200" dirty="0" smtClean="0">
-              <a:solidFill>
-                <a:schemeClr val="tx1"/>
-              </a:solidFill>
-              <a:effectLst/>
-              <a:latin typeface="+mn-lt"/>
-              <a:ea typeface="+mn-ea"/>
-              <a:cs typeface="+mn-cs"/>
-            </a:endParaRPr>
-          </a:p>
-          <a:p>
-            <a:pPr marL="0" indent="0" algn="just">
-              <a:lnSpc>
-                <a:spcPct val="115000"/>
-              </a:lnSpc>
-              <a:spcAft>
-                <a:spcPts val="600"/>
-              </a:spcAft>
-              <a:buFont typeface="+mj-lt"/>
-              <a:buNone/>
-            </a:pPr>
-            <a:endParaRPr lang="ru-RU" sz="1200" b="0" i="0" kern="1200" dirty="0" smtClean="0">
-              <a:solidFill>
-                <a:schemeClr val="tx1"/>
-              </a:solidFill>
-              <a:effectLst/>
-              <a:latin typeface="+mn-lt"/>
-              <a:ea typeface="+mn-ea"/>
-              <a:cs typeface="+mn-cs"/>
-            </a:endParaRPr>
-          </a:p>
-          <a:p>
-            <a:pPr marL="0" indent="0" algn="just">
-              <a:lnSpc>
-                <a:spcPct val="115000"/>
-              </a:lnSpc>
-              <a:spcAft>
-                <a:spcPts val="600"/>
-              </a:spcAft>
-              <a:buFont typeface="+mj-lt"/>
-              <a:buNone/>
-            </a:pPr>
-            <a:r>
-              <a:rPr lang="en-US" sz="1200" b="0" i="0" kern="1200" dirty="0" smtClean="0">
-                <a:solidFill>
-                  <a:schemeClr val="tx1"/>
-                </a:solidFill>
-                <a:effectLst/>
-                <a:latin typeface="+mn-lt"/>
-                <a:ea typeface="+mn-ea"/>
-                <a:cs typeface="+mn-cs"/>
-              </a:rPr>
-              <a:t>	</a:t>
-            </a:r>
-            <a:r>
-              <a:rPr lang="en-US" i="1" baseline="0" dirty="0" smtClean="0">
-                <a:latin typeface="Tahoma" panose="020B0604030504040204" pitchFamily="34" charset="0"/>
-                <a:ea typeface="Tahoma" panose="020B0604030504040204" pitchFamily="34" charset="0"/>
-                <a:cs typeface="Tahoma" panose="020B0604030504040204" pitchFamily="34" charset="0"/>
-              </a:rPr>
-              <a:t>Draw.io</a:t>
-            </a:r>
-            <a:r>
-              <a:rPr lang="ru-RU" i="1" baseline="0" dirty="0" smtClean="0">
-                <a:latin typeface="Tahoma" panose="020B0604030504040204" pitchFamily="34" charset="0"/>
-                <a:ea typeface="Tahoma" panose="020B0604030504040204" pitchFamily="34" charset="0"/>
-                <a:cs typeface="Tahoma" panose="020B0604030504040204" pitchFamily="34" charset="0"/>
-              </a:rPr>
-              <a:t> </a:t>
-            </a:r>
-            <a:r>
-              <a:rPr lang="en-US" i="1" baseline="0" dirty="0" smtClean="0">
-                <a:latin typeface="Tahoma" panose="020B0604030504040204" pitchFamily="34" charset="0"/>
-                <a:ea typeface="Tahoma" panose="020B0604030504040204" pitchFamily="34" charset="0"/>
-                <a:cs typeface="Tahoma" panose="020B0604030504040204" pitchFamily="34" charset="0"/>
-              </a:rPr>
-              <a:t>– </a:t>
-            </a:r>
-            <a:r>
-              <a:rPr lang="ru-RU" sz="1200" b="0" i="0" kern="1200" dirty="0" smtClean="0">
-                <a:solidFill>
-                  <a:schemeClr val="tx1"/>
-                </a:solidFill>
-                <a:effectLst/>
-                <a:latin typeface="+mn-lt"/>
-                <a:ea typeface="+mn-ea"/>
-                <a:cs typeface="+mn-cs"/>
-              </a:rPr>
-              <a:t>ПО для рисования графиков,</a:t>
-            </a:r>
-            <a:r>
-              <a:rPr lang="ru-RU" sz="1200" b="0" i="0" kern="1200" baseline="0" dirty="0" smtClean="0">
-                <a:solidFill>
-                  <a:schemeClr val="tx1"/>
-                </a:solidFill>
-                <a:effectLst/>
-                <a:latin typeface="+mn-lt"/>
-                <a:ea typeface="+mn-ea"/>
-                <a:cs typeface="+mn-cs"/>
-              </a:rPr>
-              <a:t> </a:t>
-            </a:r>
-            <a:r>
-              <a:rPr lang="ru-RU" sz="1200" b="0" i="0" kern="1200" dirty="0" smtClean="0">
-                <a:solidFill>
-                  <a:schemeClr val="tx1"/>
-                </a:solidFill>
-                <a:effectLst/>
-                <a:latin typeface="+mn-lt"/>
-                <a:ea typeface="+mn-ea"/>
-                <a:cs typeface="+mn-cs"/>
-              </a:rPr>
-              <a:t>можно использовать для создания диаграмм</a:t>
-            </a:r>
-          </a:p>
-          <a:p>
-            <a:pPr marL="0" indent="0" algn="just">
-              <a:lnSpc>
-                <a:spcPct val="115000"/>
-              </a:lnSpc>
-              <a:spcAft>
-                <a:spcPts val="600"/>
-              </a:spcAft>
-              <a:buFont typeface="+mj-lt"/>
-              <a:buNone/>
-            </a:pPr>
-            <a:r>
-              <a:rPr lang="ru-RU" i="1" baseline="0" dirty="0" smtClean="0">
-                <a:latin typeface="Tahoma" panose="020B0604030504040204" pitchFamily="34" charset="0"/>
-                <a:ea typeface="Tahoma" panose="020B0604030504040204" pitchFamily="34" charset="0"/>
-                <a:cs typeface="Tahoma" panose="020B0604030504040204" pitchFamily="34" charset="0"/>
-              </a:rPr>
-              <a:t>	использовалось для создание концептуальной, логический и физической модели данных и структуры сайта</a:t>
-            </a:r>
-          </a:p>
-          <a:p>
-            <a:pPr marL="0" indent="0" algn="just">
-              <a:lnSpc>
-                <a:spcPct val="115000"/>
-              </a:lnSpc>
-              <a:spcAft>
-                <a:spcPts val="600"/>
-              </a:spcAft>
-              <a:buFont typeface="+mj-lt"/>
-              <a:buNone/>
-            </a:pPr>
-            <a:endParaRPr lang="ru-RU" i="1" baseline="0" dirty="0" smtClean="0">
-              <a:latin typeface="Tahoma" panose="020B0604030504040204" pitchFamily="34" charset="0"/>
-              <a:ea typeface="Tahoma" panose="020B0604030504040204" pitchFamily="34" charset="0"/>
-              <a:cs typeface="Tahoma" panose="020B0604030504040204" pitchFamily="34" charset="0"/>
-            </a:endParaRPr>
-          </a:p>
-          <a:p>
-            <a:pPr marL="0" indent="0" algn="just">
-              <a:lnSpc>
-                <a:spcPct val="115000"/>
-              </a:lnSpc>
-              <a:spcAft>
-                <a:spcPts val="600"/>
-              </a:spcAft>
-              <a:buFont typeface="+mj-lt"/>
-              <a:buNone/>
-            </a:pPr>
-            <a:r>
-              <a:rPr lang="ru-RU" sz="1200" b="0" i="0" kern="1200" dirty="0" smtClean="0">
-                <a:solidFill>
-                  <a:schemeClr val="tx1"/>
-                </a:solidFill>
-                <a:effectLst/>
-                <a:latin typeface="+mn-lt"/>
-                <a:ea typeface="+mn-ea"/>
-                <a:cs typeface="+mn-cs"/>
-              </a:rPr>
-              <a:t>	</a:t>
-            </a:r>
-            <a:r>
-              <a:rPr lang="ru-RU" sz="1200" b="0" i="0" kern="1200" dirty="0" err="1" smtClean="0">
-                <a:solidFill>
-                  <a:schemeClr val="tx1"/>
-                </a:solidFill>
-                <a:effectLst/>
-                <a:latin typeface="+mn-lt"/>
-                <a:ea typeface="+mn-ea"/>
-                <a:cs typeface="+mn-cs"/>
-              </a:rPr>
-              <a:t>OpenServer</a:t>
-            </a:r>
-            <a:r>
-              <a:rPr lang="ru-RU" sz="1200" b="0" i="0" kern="1200" dirty="0" smtClean="0">
-                <a:solidFill>
-                  <a:schemeClr val="tx1"/>
-                </a:solidFill>
-                <a:effectLst/>
-                <a:latin typeface="+mn-lt"/>
-                <a:ea typeface="+mn-ea"/>
-                <a:cs typeface="+mn-cs"/>
-              </a:rPr>
-              <a:t> - это локальный сервер для </a:t>
-            </a:r>
-            <a:r>
-              <a:rPr lang="ru-RU" sz="1200" b="0" i="0" kern="1200" dirty="0" err="1" smtClean="0">
-                <a:solidFill>
-                  <a:schemeClr val="tx1"/>
-                </a:solidFill>
-                <a:effectLst/>
-                <a:latin typeface="+mn-lt"/>
-                <a:ea typeface="+mn-ea"/>
-                <a:cs typeface="+mn-cs"/>
-              </a:rPr>
-              <a:t>Windows</a:t>
-            </a:r>
-            <a:r>
-              <a:rPr lang="ru-RU" sz="1200" b="0" i="0" kern="1200" dirty="0" smtClean="0">
-                <a:solidFill>
-                  <a:schemeClr val="tx1"/>
-                </a:solidFill>
-                <a:effectLst/>
-                <a:latin typeface="+mn-lt"/>
-                <a:ea typeface="+mn-ea"/>
-                <a:cs typeface="+mn-cs"/>
-              </a:rPr>
-              <a:t>, который используется для разработки и тестирования веб-приложений на платформе PHP</a:t>
-            </a:r>
-          </a:p>
-          <a:p>
-            <a:pPr marL="0" indent="0" algn="just">
-              <a:lnSpc>
-                <a:spcPct val="115000"/>
-              </a:lnSpc>
-              <a:spcAft>
-                <a:spcPts val="600"/>
-              </a:spcAft>
-              <a:buFont typeface="+mj-lt"/>
-              <a:buNone/>
-            </a:pPr>
-            <a:r>
-              <a:rPr lang="ru-RU" sz="1200" b="0" i="0" kern="1200" dirty="0" smtClean="0">
-                <a:solidFill>
-                  <a:schemeClr val="tx1"/>
-                </a:solidFill>
-                <a:effectLst/>
-                <a:latin typeface="+mn-lt"/>
-                <a:ea typeface="+mn-ea"/>
-                <a:cs typeface="+mn-cs"/>
-              </a:rPr>
-              <a:t> </a:t>
-            </a:r>
-            <a:r>
-              <a:rPr lang="en-US" sz="1200" b="0" i="0" kern="1200" dirty="0" smtClean="0">
-                <a:solidFill>
-                  <a:schemeClr val="tx1"/>
-                </a:solidFill>
-                <a:effectLst/>
-                <a:latin typeface="+mn-lt"/>
-                <a:ea typeface="+mn-ea"/>
-                <a:cs typeface="+mn-cs"/>
-              </a:rPr>
-              <a:t>	</a:t>
-            </a:r>
-            <a:r>
-              <a:rPr lang="ru-RU" sz="1200" b="0" i="0" kern="1200" dirty="0" err="1" smtClean="0">
-                <a:solidFill>
-                  <a:schemeClr val="tx1"/>
-                </a:solidFill>
-                <a:effectLst/>
-                <a:latin typeface="+mn-lt"/>
-                <a:ea typeface="+mn-ea"/>
-                <a:cs typeface="+mn-cs"/>
-              </a:rPr>
-              <a:t>phpMyAdmin</a:t>
-            </a:r>
-            <a:r>
-              <a:rPr lang="ru-RU" sz="1200" b="0" i="0" kern="1200" dirty="0" smtClean="0">
-                <a:solidFill>
-                  <a:schemeClr val="tx1"/>
-                </a:solidFill>
-                <a:effectLst/>
-                <a:latin typeface="+mn-lt"/>
-                <a:ea typeface="+mn-ea"/>
-                <a:cs typeface="+mn-cs"/>
-              </a:rPr>
-              <a:t> — веб-приложение с открытым кодом, написанное на языке PHP и представляющее собой веб-интерфейс для </a:t>
-            </a:r>
-            <a:r>
-              <a:rPr lang="ru-RU" sz="1200" b="0" i="0" kern="1200" dirty="0" err="1" smtClean="0">
-                <a:solidFill>
-                  <a:schemeClr val="tx1"/>
-                </a:solidFill>
-                <a:effectLst/>
-                <a:latin typeface="+mn-lt"/>
-                <a:ea typeface="+mn-ea"/>
-                <a:cs typeface="+mn-cs"/>
-              </a:rPr>
-              <a:t>администратирования</a:t>
-            </a:r>
-            <a:r>
-              <a:rPr lang="ru-RU" sz="1200" b="0" i="0" kern="1200" dirty="0" smtClean="0">
-                <a:solidFill>
-                  <a:schemeClr val="tx1"/>
-                </a:solidFill>
-                <a:effectLst/>
-                <a:latin typeface="+mn-lt"/>
-                <a:ea typeface="+mn-ea"/>
-                <a:cs typeface="+mn-cs"/>
-              </a:rPr>
-              <a:t> СУБД </a:t>
-            </a:r>
-            <a:r>
-              <a:rPr lang="ru-RU" sz="1200" b="0" i="0" kern="1200" dirty="0" err="1" smtClean="0">
-                <a:solidFill>
-                  <a:schemeClr val="tx1"/>
-                </a:solidFill>
-                <a:effectLst/>
-                <a:latin typeface="+mn-lt"/>
-                <a:ea typeface="+mn-ea"/>
-                <a:cs typeface="+mn-cs"/>
-              </a:rPr>
-              <a:t>MySQL</a:t>
-            </a:r>
-            <a:endParaRPr lang="ru-RU" i="1" dirty="0">
-              <a:latin typeface="Tahoma" panose="020B0604030504040204" pitchFamily="34" charset="0"/>
-              <a:ea typeface="Tahoma" panose="020B0604030504040204" pitchFamily="34" charset="0"/>
-              <a:cs typeface="Tahoma" panose="020B0604030504040204" pitchFamily="34" charset="0"/>
-            </a:endParaRPr>
-          </a:p>
         </p:txBody>
       </p:sp>
       <p:sp>
@@ -1649,7 +1416,7 @@
           <a:p>
             <a:fld id="{4AEA5B54-7D55-4F91-8E4E-27DBED653552}" type="slidenum">
               <a:rPr lang="ru-RU" smtClean="0"/>
-              <a:t>4</a:t>
+              <a:t>6</a:t>
             </a:fld>
             <a:endParaRPr lang="ru-RU"/>
           </a:p>
@@ -1658,7 +1425,7 @@
     </p:spTree>
     <p:extLst>
       <p:ext uri="{BB962C8B-B14F-4D97-AF65-F5344CB8AC3E}">
-        <p14:creationId xmlns:p14="http://schemas.microsoft.com/office/powerpoint/2010/main" val="2620028193"/>
+        <p14:creationId xmlns:p14="http://schemas.microsoft.com/office/powerpoint/2010/main" val="1428831778"/>
       </p:ext>
     </p:extLst>
   </p:cSld>
@@ -1799,7 +1566,7 @@
           <a:p>
             <a:fld id="{C3EA3DE2-3FA7-4569-90F3-90688B26D0BD}" type="datetime1">
               <a:rPr lang="ru-RU" smtClean="0"/>
-              <a:t>16.06.2025</a:t>
+              <a:t>17.06.2025</a:t>
             </a:fld>
             <a:endParaRPr lang="ru-RU"/>
           </a:p>
@@ -1981,7 +1748,7 @@
           <a:p>
             <a:fld id="{8F9F3D70-DEBC-4C8D-A607-AE7BA4228572}" type="datetime1">
               <a:rPr lang="ru-RU" smtClean="0"/>
-              <a:t>16.06.2025</a:t>
+              <a:t>17.06.2025</a:t>
             </a:fld>
             <a:endParaRPr lang="ru-RU"/>
           </a:p>
@@ -2173,7 +1940,7 @@
           <a:p>
             <a:fld id="{4F2BC0F5-5626-44CE-87C8-152BF1DE2D33}" type="datetime1">
               <a:rPr lang="ru-RU" smtClean="0"/>
-              <a:t>16.06.2025</a:t>
+              <a:t>17.06.2025</a:t>
             </a:fld>
             <a:endParaRPr lang="ru-RU"/>
           </a:p>
@@ -2355,7 +2122,7 @@
           <a:p>
             <a:fld id="{B858D6DA-5509-4221-9F0A-AB863320668B}" type="datetime1">
               <a:rPr lang="ru-RU" smtClean="0"/>
-              <a:t>16.06.2025</a:t>
+              <a:t>17.06.2025</a:t>
             </a:fld>
             <a:endParaRPr lang="ru-RU"/>
           </a:p>
@@ -2613,7 +2380,7 @@
           <a:p>
             <a:fld id="{617E259D-A119-47E7-B5BB-3D4209CA77F4}" type="datetime1">
               <a:rPr lang="ru-RU" smtClean="0"/>
-              <a:t>16.06.2025</a:t>
+              <a:t>17.06.2025</a:t>
             </a:fld>
             <a:endParaRPr lang="ru-RU"/>
           </a:p>
@@ -2857,7 +2624,7 @@
           <a:p>
             <a:fld id="{BA16B4CB-EC52-46B7-9577-E7963979CDA2}" type="datetime1">
               <a:rPr lang="ru-RU" smtClean="0"/>
-              <a:t>16.06.2025</a:t>
+              <a:t>17.06.2025</a:t>
             </a:fld>
             <a:endParaRPr lang="ru-RU"/>
           </a:p>
@@ -3236,7 +3003,7 @@
           <a:p>
             <a:fld id="{3CA26589-51AE-4571-B5DC-5FFC40CA1AB2}" type="datetime1">
               <a:rPr lang="ru-RU" smtClean="0"/>
-              <a:t>16.06.2025</a:t>
+              <a:t>17.06.2025</a:t>
             </a:fld>
             <a:endParaRPr lang="ru-RU"/>
           </a:p>
@@ -3366,7 +3133,7 @@
           <a:p>
             <a:fld id="{2E04ACCB-3396-4D5C-8954-524C44CC9CE6}" type="datetime1">
               <a:rPr lang="ru-RU" smtClean="0"/>
-              <a:t>16.06.2025</a:t>
+              <a:t>17.06.2025</a:t>
             </a:fld>
             <a:endParaRPr lang="ru-RU"/>
           </a:p>
@@ -3473,7 +3240,7 @@
           <a:p>
             <a:fld id="{31EF431E-5401-4DEA-BEBC-E30F9E4F670C}" type="datetime1">
               <a:rPr lang="ru-RU" smtClean="0"/>
-              <a:t>16.06.2025</a:t>
+              <a:t>17.06.2025</a:t>
             </a:fld>
             <a:endParaRPr lang="ru-RU"/>
           </a:p>
@@ -3762,7 +3529,7 @@
           <a:p>
             <a:fld id="{068CF580-6889-4DAF-8FBD-147762C8B820}" type="datetime1">
               <a:rPr lang="ru-RU" smtClean="0"/>
-              <a:t>16.06.2025</a:t>
+              <a:t>17.06.2025</a:t>
             </a:fld>
             <a:endParaRPr lang="ru-RU"/>
           </a:p>
@@ -4027,7 +3794,7 @@
           <a:p>
             <a:fld id="{0490E753-7522-4B52-953B-7A94DB432975}" type="datetime1">
               <a:rPr lang="ru-RU" smtClean="0"/>
-              <a:t>16.06.2025</a:t>
+              <a:t>17.06.2025</a:t>
             </a:fld>
             <a:endParaRPr lang="ru-RU"/>
           </a:p>
@@ -4252,7 +4019,7 @@
           <a:p>
             <a:fld id="{14F92B06-7AF4-4E68-9874-884E3540552C}" type="datetime1">
               <a:rPr lang="ru-RU" smtClean="0"/>
-              <a:t>16.06.2025</a:t>
+              <a:t>17.06.2025</a:t>
             </a:fld>
             <a:endParaRPr lang="ru-RU"/>
           </a:p>
@@ -4702,7 +4469,7 @@
                 <a14:useLocalDpi xmlns:a14="http://schemas.microsoft.com/office/drawing/2010/main" val="0"/>
               </a:ext>
               <a:ext uri="{96DAC541-7B7A-43D3-8B79-37D633B846F1}">
-                <asvg:svgBlip xmlns:asvg="http://schemas.microsoft.com/office/drawing/2016/SVG/main" xmlns="" r:embed="rId4"/>
+                <asvg:svgBlip xmlns="" xmlns:asvg="http://schemas.microsoft.com/office/drawing/2016/SVG/main" r:embed="rId4"/>
               </a:ext>
             </a:extLst>
           </a:blip>
@@ -5142,7 +4909,7 @@
                 <a14:useLocalDpi xmlns:a14="http://schemas.microsoft.com/office/drawing/2010/main" val="0"/>
               </a:ext>
               <a:ext uri="{96DAC541-7B7A-43D3-8B79-37D633B846F1}">
-                <asvg:svgBlip xmlns:asvg="http://schemas.microsoft.com/office/drawing/2016/SVG/main" xmlns="" r:embed="rId4"/>
+                <asvg:svgBlip xmlns="" xmlns:asvg="http://schemas.microsoft.com/office/drawing/2016/SVG/main" r:embed="rId4"/>
               </a:ext>
             </a:extLst>
           </a:blip>
@@ -5174,7 +4941,7 @@
         <p:spPr>
           <a:xfrm>
             <a:off x="2090149" y="455894"/>
-            <a:ext cx="1796051" cy="587853"/>
+            <a:ext cx="1891301" cy="587853"/>
           </a:xfrm>
           <a:prstGeom prst="rect">
             <a:avLst/>
@@ -5402,7 +5169,7 @@
                 <a14:useLocalDpi xmlns:a14="http://schemas.microsoft.com/office/drawing/2010/main" val="0"/>
               </a:ext>
               <a:ext uri="{96DAC541-7B7A-43D3-8B79-37D633B846F1}">
-                <asvg:svgBlip xmlns:asvg="http://schemas.microsoft.com/office/drawing/2016/SVG/main" xmlns="" r:embed="rId4"/>
+                <asvg:svgBlip xmlns="" xmlns:asvg="http://schemas.microsoft.com/office/drawing/2016/SVG/main" r:embed="rId4"/>
               </a:ext>
             </a:extLst>
           </a:blip>
@@ -5434,7 +5201,7 @@
         <p:spPr>
           <a:xfrm>
             <a:off x="2098302" y="438838"/>
-            <a:ext cx="2664198" cy="587853"/>
+            <a:ext cx="2892798" cy="587853"/>
           </a:xfrm>
           <a:prstGeom prst="rect">
             <a:avLst/>
@@ -5498,8 +5265,8 @@
         </p:nvSpPr>
         <p:spPr>
           <a:xfrm>
-            <a:off x="1486898" y="1770384"/>
-            <a:ext cx="9727201" cy="1776384"/>
+            <a:off x="2009414" y="1581702"/>
+            <a:ext cx="9727201" cy="1607941"/>
           </a:xfrm>
           <a:prstGeom prst="rect">
             <a:avLst/>
@@ -5517,27 +5284,27 @@
               </a:lnSpc>
             </a:pPr>
             <a:r>
-              <a:rPr lang="ru-RU" sz="2400" dirty="0" smtClean="0">
+              <a:rPr lang="ru-RU" sz="2200" dirty="0" smtClean="0">
                 <a:latin typeface="Roboto Condensed Medium" panose="02000000000000000000" pitchFamily="2" charset="0"/>
                 <a:ea typeface="Roboto Condensed Medium" panose="02000000000000000000" pitchFamily="2" charset="0"/>
               </a:rPr>
               <a:t>Разработать </a:t>
             </a:r>
             <a:r>
-              <a:rPr lang="ru-RU" sz="2400" dirty="0">
+              <a:rPr lang="ru-RU" sz="2200" dirty="0">
                 <a:latin typeface="Roboto Condensed Medium" panose="02000000000000000000" pitchFamily="2" charset="0"/>
                 <a:ea typeface="Roboto Condensed Medium" panose="02000000000000000000" pitchFamily="2" charset="0"/>
               </a:rPr>
               <a:t>и спроектировать веб-приложение "Библиотека ИИ и его эффективное использование", обеспечивающее удобный доступ к материалам, а также предоставляющее платформу для взаимодействия пользователей между </a:t>
             </a:r>
             <a:r>
-              <a:rPr lang="ru-RU" sz="2400" dirty="0" smtClean="0">
+              <a:rPr lang="ru-RU" sz="2200" dirty="0" smtClean="0">
                 <a:latin typeface="Roboto Condensed Medium" panose="02000000000000000000" pitchFamily="2" charset="0"/>
                 <a:ea typeface="Roboto Condensed Medium" panose="02000000000000000000" pitchFamily="2" charset="0"/>
               </a:rPr>
               <a:t>собой</a:t>
             </a:r>
-            <a:endParaRPr lang="ru-RU" sz="2400" dirty="0">
+            <a:endParaRPr lang="ru-RU" sz="2200" dirty="0">
               <a:latin typeface="Roboto Condensed Medium" panose="02000000000000000000" pitchFamily="2" charset="0"/>
               <a:ea typeface="Roboto Condensed Medium" panose="02000000000000000000" pitchFamily="2" charset="0"/>
             </a:endParaRPr>
@@ -5552,8 +5319,8 @@
         </p:nvSpPr>
         <p:spPr>
           <a:xfrm>
-            <a:off x="1486898" y="4000598"/>
-            <a:ext cx="9397002" cy="2308324"/>
+            <a:off x="2009414" y="3527348"/>
+            <a:ext cx="9397002" cy="3344505"/>
           </a:xfrm>
           <a:prstGeom prst="rect">
             <a:avLst/>
@@ -5565,12 +5332,15 @@
           </a:bodyPr>
           <a:lstStyle/>
           <a:p>
-            <a:pPr marL="342900" lvl="0" indent="-342900">
-              <a:buFont typeface="Wingdings" panose="05000000000000000000" pitchFamily="2" charset="2"/>
-              <a:buChar char="§"/>
+            <a:pPr marL="457200" lvl="0" indent="-457200">
+              <a:spcAft>
+                <a:spcPts val="400"/>
+              </a:spcAft>
+              <a:buFont typeface="+mj-lt"/>
+              <a:buAutoNum type="arabicPeriod"/>
             </a:pPr>
             <a:r>
-              <a:rPr lang="ru-RU" sz="2400" dirty="0">
+              <a:rPr lang="ru-RU" sz="2200" dirty="0">
                 <a:latin typeface="Roboto Condensed Medium" panose="02000000000000000000" pitchFamily="2" charset="0"/>
                 <a:ea typeface="Roboto Condensed Medium" panose="02000000000000000000" pitchFamily="2" charset="0"/>
               </a:rPr>
@@ -5578,12 +5348,15 @@
             </a:r>
           </a:p>
           <a:p>
-            <a:pPr marL="342900" lvl="0" indent="-342900">
-              <a:buFont typeface="Wingdings" panose="05000000000000000000" pitchFamily="2" charset="2"/>
-              <a:buChar char="§"/>
+            <a:pPr marL="457200" lvl="0" indent="-457200">
+              <a:spcAft>
+                <a:spcPts val="400"/>
+              </a:spcAft>
+              <a:buFont typeface="+mj-lt"/>
+              <a:buAutoNum type="arabicPeriod"/>
             </a:pPr>
             <a:r>
-              <a:rPr lang="ru-RU" sz="2400" dirty="0">
+              <a:rPr lang="ru-RU" sz="2200" dirty="0">
                 <a:latin typeface="Roboto Condensed Medium" panose="02000000000000000000" pitchFamily="2" charset="0"/>
                 <a:ea typeface="Roboto Condensed Medium" panose="02000000000000000000" pitchFamily="2" charset="0"/>
               </a:rPr>
@@ -5591,73 +5364,82 @@
             </a:r>
           </a:p>
           <a:p>
-            <a:pPr marL="342900" lvl="0" indent="-342900">
-              <a:buFont typeface="Wingdings" panose="05000000000000000000" pitchFamily="2" charset="2"/>
-              <a:buChar char="§"/>
+            <a:pPr marL="457200" lvl="0" indent="-457200">
+              <a:spcAft>
+                <a:spcPts val="400"/>
+              </a:spcAft>
+              <a:buFont typeface="+mj-lt"/>
+              <a:buAutoNum type="arabicPeriod"/>
             </a:pPr>
             <a:r>
-              <a:rPr lang="ru-RU" sz="2400" dirty="0">
+              <a:rPr lang="ru-RU" sz="2200" dirty="0">
                 <a:latin typeface="Roboto Condensed Medium" panose="02000000000000000000" pitchFamily="2" charset="0"/>
                 <a:ea typeface="Roboto Condensed Medium" panose="02000000000000000000" pitchFamily="2" charset="0"/>
               </a:rPr>
               <a:t>Разработать макет веб-приложения</a:t>
             </a:r>
             <a:r>
-              <a:rPr lang="en-US" sz="2400" dirty="0">
+              <a:rPr lang="en-US" sz="2200" dirty="0">
                 <a:latin typeface="Roboto Condensed Medium" panose="02000000000000000000" pitchFamily="2" charset="0"/>
                 <a:ea typeface="Roboto Condensed Medium" panose="02000000000000000000" pitchFamily="2" charset="0"/>
               </a:rPr>
               <a:t>;</a:t>
             </a:r>
-            <a:endParaRPr lang="ru-RU" sz="2400" dirty="0">
+            <a:endParaRPr lang="ru-RU" sz="2200" dirty="0">
               <a:latin typeface="Roboto Condensed Medium" panose="02000000000000000000" pitchFamily="2" charset="0"/>
               <a:ea typeface="Roboto Condensed Medium" panose="02000000000000000000" pitchFamily="2" charset="0"/>
             </a:endParaRPr>
           </a:p>
           <a:p>
-            <a:pPr marL="342900" lvl="0" indent="-342900">
-              <a:buFont typeface="Wingdings" panose="05000000000000000000" pitchFamily="2" charset="2"/>
-              <a:buChar char="§"/>
+            <a:pPr marL="457200" lvl="0" indent="-457200">
+              <a:spcAft>
+                <a:spcPts val="400"/>
+              </a:spcAft>
+              <a:buFont typeface="+mj-lt"/>
+              <a:buAutoNum type="arabicPeriod"/>
             </a:pPr>
             <a:r>
-              <a:rPr lang="ru-RU" sz="2400" dirty="0">
+              <a:rPr lang="ru-RU" sz="2200" dirty="0">
                 <a:latin typeface="Roboto Condensed Medium" panose="02000000000000000000" pitchFamily="2" charset="0"/>
                 <a:ea typeface="Roboto Condensed Medium" panose="02000000000000000000" pitchFamily="2" charset="0"/>
               </a:rPr>
               <a:t>Разработать веб-приложения</a:t>
             </a:r>
             <a:r>
-              <a:rPr lang="en-US" sz="2400" dirty="0">
+              <a:rPr lang="en-US" sz="2200" dirty="0">
                 <a:latin typeface="Roboto Condensed Medium" panose="02000000000000000000" pitchFamily="2" charset="0"/>
                 <a:ea typeface="Roboto Condensed Medium" panose="02000000000000000000" pitchFamily="2" charset="0"/>
               </a:rPr>
               <a:t>;</a:t>
             </a:r>
-            <a:endParaRPr lang="ru-RU" sz="2400" dirty="0">
+            <a:endParaRPr lang="ru-RU" sz="2200" dirty="0">
               <a:latin typeface="Roboto Condensed Medium" panose="02000000000000000000" pitchFamily="2" charset="0"/>
               <a:ea typeface="Roboto Condensed Medium" panose="02000000000000000000" pitchFamily="2" charset="0"/>
             </a:endParaRPr>
           </a:p>
           <a:p>
-            <a:pPr marL="342900" lvl="0" indent="-342900">
-              <a:buFont typeface="Wingdings" panose="05000000000000000000" pitchFamily="2" charset="2"/>
-              <a:buChar char="§"/>
+            <a:pPr marL="457200" lvl="0" indent="-457200">
+              <a:spcAft>
+                <a:spcPts val="400"/>
+              </a:spcAft>
+              <a:buFont typeface="+mj-lt"/>
+              <a:buAutoNum type="arabicPeriod"/>
             </a:pPr>
             <a:r>
-              <a:rPr lang="ru-RU" sz="2400" dirty="0">
+              <a:rPr lang="ru-RU" sz="2200" dirty="0">
                 <a:latin typeface="Roboto Condensed Medium" panose="02000000000000000000" pitchFamily="2" charset="0"/>
                 <a:ea typeface="Roboto Condensed Medium" panose="02000000000000000000" pitchFamily="2" charset="0"/>
               </a:rPr>
               <a:t>Разработать и провести ручное тестирование на соответствие требованиям, выявить и устранить возможные </a:t>
             </a:r>
             <a:r>
-              <a:rPr lang="ru-RU" sz="2400" dirty="0" smtClean="0">
+              <a:rPr lang="ru-RU" sz="2200" dirty="0" smtClean="0">
                 <a:latin typeface="Roboto Condensed Medium" panose="02000000000000000000" pitchFamily="2" charset="0"/>
                 <a:ea typeface="Roboto Condensed Medium" panose="02000000000000000000" pitchFamily="2" charset="0"/>
               </a:rPr>
               <a:t>ошибки.</a:t>
             </a:r>
-            <a:endParaRPr lang="ru-RU" sz="2400" dirty="0">
+            <a:endParaRPr lang="ru-RU" sz="2200" dirty="0">
               <a:latin typeface="Roboto Condensed Medium" panose="02000000000000000000" pitchFamily="2" charset="0"/>
               <a:ea typeface="Roboto Condensed Medium" panose="02000000000000000000" pitchFamily="2" charset="0"/>
             </a:endParaRPr>
@@ -5695,7 +5477,7 @@
         </p:nvSpPr>
         <p:spPr>
           <a:xfrm>
-            <a:off x="1486898" y="1366582"/>
+            <a:off x="455216" y="2183867"/>
             <a:ext cx="837089" cy="461665"/>
           </a:xfrm>
           <a:prstGeom prst="rect">
@@ -5723,15 +5505,13 @@
       <p:cxnSp>
         <p:nvCxnSpPr>
           <p:cNvPr id="8" name="Прямая соединительная линия 7"/>
-          <p:cNvCxnSpPr>
-            <a:stCxn id="5" idx="3"/>
-          </p:cNvCxnSpPr>
+          <p:cNvCxnSpPr/>
           <p:nvPr/>
         </p:nvCxnSpPr>
         <p:spPr>
           <a:xfrm flipV="1">
-            <a:off x="2323987" y="1594677"/>
-            <a:ext cx="8184619" cy="2738"/>
+            <a:off x="2133602" y="1439134"/>
+            <a:ext cx="9419771" cy="1375"/>
           </a:xfrm>
           <a:prstGeom prst="line">
             <a:avLst/>
@@ -5765,7 +5545,7 @@
         </p:nvSpPr>
         <p:spPr>
           <a:xfrm>
-            <a:off x="1486898" y="3580899"/>
+            <a:off x="316556" y="4664371"/>
             <a:ext cx="1114408" cy="461665"/>
           </a:xfrm>
           <a:prstGeom prst="rect">
@@ -5792,14 +5572,14 @@
       </p:sp>
       <p:cxnSp>
         <p:nvCxnSpPr>
-          <p:cNvPr id="12" name="Прямая соединительная линия 11"/>
+          <p:cNvPr id="13" name="Прямая соединительная линия 12"/>
           <p:cNvCxnSpPr/>
           <p:nvPr/>
         </p:nvCxnSpPr>
         <p:spPr>
-          <a:xfrm>
-            <a:off x="2588606" y="3837131"/>
-            <a:ext cx="7920000" cy="0"/>
+          <a:xfrm flipV="1">
+            <a:off x="2133601" y="3387517"/>
+            <a:ext cx="9419771" cy="1375"/>
           </a:xfrm>
           <a:prstGeom prst="line">
             <a:avLst/>
@@ -5933,7 +5713,7 @@
                 <a14:useLocalDpi xmlns:a14="http://schemas.microsoft.com/office/drawing/2010/main" val="0"/>
               </a:ext>
               <a:ext uri="{96DAC541-7B7A-43D3-8B79-37D633B846F1}">
-                <asvg:svgBlip xmlns:asvg="http://schemas.microsoft.com/office/drawing/2016/SVG/main" xmlns="" r:embed="rId4"/>
+                <asvg:svgBlip xmlns="" xmlns:asvg="http://schemas.microsoft.com/office/drawing/2016/SVG/main" r:embed="rId4"/>
               </a:ext>
             </a:extLst>
           </a:blip>
@@ -5950,165 +5730,6 @@
           </a:prstGeom>
         </p:spPr>
       </p:pic>
-      <p:pic>
-        <p:nvPicPr>
-          <p:cNvPr id="5" name="Рисунок 4">
-            <a:extLst>
-              <a:ext uri="{FF2B5EF4-FFF2-40B4-BE49-F238E27FC236}">
-                <a16:creationId xmlns:a16="http://schemas.microsoft.com/office/drawing/2014/main" id="{E9ED9F1C-5E01-1565-DC29-EF18F3E5A9AC}"/>
-              </a:ext>
-            </a:extLst>
-          </p:cNvPr>
-          <p:cNvPicPr>
-            <a:picLocks noChangeAspect="1"/>
-          </p:cNvPicPr>
-          <p:nvPr/>
-        </p:nvPicPr>
-        <p:blipFill>
-          <a:blip r:embed="rId5" cstate="hqprint">
-            <a:extLst>
-              <a:ext uri="{28A0092B-C50C-407E-A947-70E740481C1C}">
-                <a14:useLocalDpi xmlns:a14="http://schemas.microsoft.com/office/drawing/2010/main" val="0"/>
-              </a:ext>
-            </a:extLst>
-          </a:blip>
-          <a:stretch>
-            <a:fillRect/>
-          </a:stretch>
-        </p:blipFill>
-        <p:spPr>
-          <a:xfrm>
-            <a:off x="8641175" y="4333066"/>
-            <a:ext cx="2444800" cy="1222400"/>
-          </a:xfrm>
-          <a:prstGeom prst="rect">
-            <a:avLst/>
-          </a:prstGeom>
-        </p:spPr>
-      </p:pic>
-      <p:pic>
-        <p:nvPicPr>
-          <p:cNvPr id="1032" name="Picture 8" descr="https://blog.jetbrains.com/wp-content/uploads/2019/08/phpstorm.png"/>
-          <p:cNvPicPr>
-            <a:picLocks noChangeAspect="1" noChangeArrowheads="1"/>
-          </p:cNvPicPr>
-          <p:nvPr/>
-        </p:nvPicPr>
-        <p:blipFill>
-          <a:blip r:embed="rId6" cstate="hqprint">
-            <a:extLst>
-              <a:ext uri="{28A0092B-C50C-407E-A947-70E740481C1C}">
-                <a14:useLocalDpi xmlns:a14="http://schemas.microsoft.com/office/drawing/2010/main" val="0"/>
-              </a:ext>
-            </a:extLst>
-          </a:blip>
-          <a:srcRect/>
-          <a:stretch>
-            <a:fillRect/>
-          </a:stretch>
-        </p:blipFill>
-        <p:spPr bwMode="auto">
-          <a:xfrm>
-            <a:off x="9108372" y="1231699"/>
-            <a:ext cx="1510407" cy="1510407"/>
-          </a:xfrm>
-          <a:prstGeom prst="rect">
-            <a:avLst/>
-          </a:prstGeom>
-          <a:noFill/>
-          <a:extLst>
-            <a:ext uri="{909E8E84-426E-40DD-AFC4-6F175D3DCCD1}">
-              <a14:hiddenFill xmlns:a14="http://schemas.microsoft.com/office/drawing/2010/main">
-                <a:solidFill>
-                  <a:srgbClr val="FFFFFF"/>
-                </a:solidFill>
-              </a14:hiddenFill>
-            </a:ext>
-          </a:extLst>
-        </p:spPr>
-      </p:pic>
-      <p:pic>
-        <p:nvPicPr>
-          <p:cNvPr id="11" name="Picture 14" descr="https://sun9-87.userapi.com/s/v1/ig2/kKbrpJifnOc_a563N7A2UNlOC6GvY0dPyCgb-4XfSIcud2Kj9uCJPMDepE3ZaFfPH43rFOIAR4bjXRW_IPq6Rkk_.jpg?size=400x200&amp;quality=96&amp;type=album"/>
-          <p:cNvPicPr>
-            <a:picLocks noChangeAspect="1" noChangeArrowheads="1"/>
-          </p:cNvPicPr>
-          <p:nvPr/>
-        </p:nvPicPr>
-        <p:blipFill>
-          <a:blip r:embed="rId7">
-            <a:extLst>
-              <a:ext uri="{28A0092B-C50C-407E-A947-70E740481C1C}">
-                <a14:useLocalDpi xmlns:a14="http://schemas.microsoft.com/office/drawing/2010/main" val="0"/>
-              </a:ext>
-            </a:extLst>
-          </a:blip>
-          <a:srcRect/>
-          <a:stretch>
-            <a:fillRect/>
-          </a:stretch>
-        </p:blipFill>
-        <p:spPr bwMode="auto">
-          <a:xfrm>
-            <a:off x="1489750" y="3755725"/>
-            <a:ext cx="2630304" cy="1315152"/>
-          </a:xfrm>
-          <a:prstGeom prst="rect">
-            <a:avLst/>
-          </a:prstGeom>
-          <a:noFill/>
-          <a:extLst>
-            <a:ext uri="{909E8E84-426E-40DD-AFC4-6F175D3DCCD1}">
-              <a14:hiddenFill xmlns:a14="http://schemas.microsoft.com/office/drawing/2010/main">
-                <a:solidFill>
-                  <a:srgbClr val="FFFFFF"/>
-                </a:solidFill>
-              </a14:hiddenFill>
-            </a:ext>
-          </a:extLst>
-        </p:spPr>
-      </p:pic>
-      <p:pic>
-        <p:nvPicPr>
-          <p:cNvPr id="1026" name="Picture 2" descr="phpMyAdmin — Википедия"/>
-          <p:cNvPicPr>
-            <a:picLocks noChangeAspect="1" noChangeArrowheads="1"/>
-          </p:cNvPicPr>
-          <p:nvPr/>
-        </p:nvPicPr>
-        <p:blipFill>
-          <a:blip r:embed="rId8">
-            <a:extLst>
-              <a:ext uri="{28A0092B-C50C-407E-A947-70E740481C1C}">
-                <a14:useLocalDpi xmlns:a14="http://schemas.microsoft.com/office/drawing/2010/main" val="0"/>
-              </a:ext>
-            </a:extLst>
-          </a:blip>
-          <a:srcRect/>
-          <a:stretch>
-            <a:fillRect/>
-          </a:stretch>
-        </p:blipFill>
-        <p:spPr bwMode="auto">
-          <a:xfrm>
-            <a:off x="1777005" y="1273024"/>
-            <a:ext cx="2055795" cy="1213137"/>
-          </a:xfrm>
-          <a:prstGeom prst="rect">
-            <a:avLst/>
-          </a:prstGeom>
-          <a:noFill/>
-          <a:extLst>
-            <a:ext uri="{909E8E84-426E-40DD-AFC4-6F175D3DCCD1}">
-              <a14:hiddenFill xmlns:a14="http://schemas.microsoft.com/office/drawing/2010/main">
-                <a:solidFill>
-                  <a:srgbClr val="FFFFFF"/>
-                </a:solidFill>
-              </a14:hiddenFill>
-            </a:ext>
-          </a:extLst>
-        </p:spPr>
-      </p:pic>
       <p:sp>
         <p:nvSpPr>
           <p:cNvPr id="2" name="Номер слайда 1"/>
@@ -6147,13 +5768,13 @@
           <p:nvPr/>
         </p:nvPicPr>
         <p:blipFill rotWithShape="1">
-          <a:blip r:embed="rId9" cstate="hqprint">
+          <a:blip r:embed="rId5" cstate="hqprint">
             <a:extLst>
               <a:ext uri="{28A0092B-C50C-407E-A947-70E740481C1C}">
                 <a14:useLocalDpi xmlns:a14="http://schemas.microsoft.com/office/drawing/2010/main" val="0"/>
               </a:ext>
               <a:ext uri="{96DAC541-7B7A-43D3-8B79-37D633B846F1}">
-                <asvg:svgBlip xmlns:asvg="http://schemas.microsoft.com/office/drawing/2016/SVG/main" xmlns="" r:embed="rId10"/>
+                <asvg:svgBlip xmlns="" xmlns:asvg="http://schemas.microsoft.com/office/drawing/2016/SVG/main" r:embed="rId10"/>
               </a:ext>
             </a:extLst>
           </a:blip>
@@ -6172,7 +5793,7 @@
       </p:pic>
       <p:pic>
         <p:nvPicPr>
-          <p:cNvPr id="2050" name="Picture 2" descr="PHP — Википедия"/>
+          <p:cNvPr id="2052" name="Picture 4" descr="Laravel — Википедия"/>
           <p:cNvPicPr>
             <a:picLocks noChangeAspect="1" noChangeArrowheads="1"/>
           </p:cNvPicPr>
@@ -6180,47 +5801,6 @@
         </p:nvPicPr>
         <p:blipFill>
           <a:blip r:embed="rId11" cstate="hqprint">
-            <a:extLst>
-              <a:ext uri="{28A0092B-C50C-407E-A947-70E740481C1C}">
-                <a14:useLocalDpi xmlns:a14="http://schemas.microsoft.com/office/drawing/2010/main" val="0"/>
-              </a:ext>
-            </a:extLst>
-          </a:blip>
-          <a:srcRect/>
-          <a:stretch>
-            <a:fillRect/>
-          </a:stretch>
-        </p:blipFill>
-        <p:spPr bwMode="auto">
-          <a:xfrm>
-            <a:off x="1788816" y="2584589"/>
-            <a:ext cx="2032172" cy="1394578"/>
-          </a:xfrm>
-          <a:prstGeom prst="rect">
-            <a:avLst/>
-          </a:prstGeom>
-          <a:noFill/>
-          <a:extLst>
-            <a:ext uri="{909E8E84-426E-40DD-AFC4-6F175D3DCCD1}">
-              <a14:hiddenFill xmlns:a14="http://schemas.microsoft.com/office/drawing/2010/main">
-                <a:solidFill>
-                  <a:srgbClr val="FFFFFF"/>
-                </a:solidFill>
-              </a14:hiddenFill>
-            </a:ext>
-          </a:extLst>
-        </p:spPr>
-      </p:pic>
-      <p:pic>
-        <p:nvPicPr>
-          <p:cNvPr id="2052" name="Picture 4" descr="Laravel — Википедия"/>
-          <p:cNvPicPr>
-            <a:picLocks noChangeAspect="1" noChangeArrowheads="1"/>
-          </p:cNvPicPr>
-          <p:nvPr/>
-        </p:nvPicPr>
-        <p:blipFill>
-          <a:blip r:embed="rId12" cstate="hqprint">
             <a:extLst>
               <a:ext uri="{28A0092B-C50C-407E-A947-70E740481C1C}">
                 <a14:useLocalDpi xmlns:a14="http://schemas.microsoft.com/office/drawing/2010/main" val="0"/>
@@ -6252,9 +5832,231 @@
           </a:extLst>
         </p:spPr>
       </p:pic>
+      <p:graphicFrame>
+        <p:nvGraphicFramePr>
+          <p:cNvPr id="7" name="Таблица 6"/>
+          <p:cNvGraphicFramePr>
+            <a:graphicFrameLocks noGrp="1"/>
+          </p:cNvGraphicFramePr>
+          <p:nvPr>
+            <p:extLst>
+              <p:ext uri="{D42A27DB-BD31-4B8C-83A1-F6EECF244321}">
+                <p14:modId xmlns:p14="http://schemas.microsoft.com/office/powerpoint/2010/main" val="2279518923"/>
+              </p:ext>
+            </p:extLst>
+          </p:nvPr>
+        </p:nvGraphicFramePr>
+        <p:xfrm>
+          <a:off x="1126156" y="1273024"/>
+          <a:ext cx="10227644" cy="5083326"/>
+        </p:xfrm>
+        <a:graphic>
+          <a:graphicData uri="http://schemas.openxmlformats.org/drawingml/2006/table">
+            <a:tbl>
+              <a:tblPr firstRow="1" bandRow="1">
+                <a:tableStyleId>{2D5ABB26-0587-4C30-8999-92F81FD0307C}</a:tableStyleId>
+              </a:tblPr>
+              <a:tblGrid>
+                <a:gridCol w="2556911">
+                  <a:extLst>
+                    <a:ext uri="{9D8B030D-6E8A-4147-A177-3AD203B41FA5}">
+                      <a16:colId xmlns:a16="http://schemas.microsoft.com/office/drawing/2014/main" val="3789812019"/>
+                    </a:ext>
+                  </a:extLst>
+                </a:gridCol>
+                <a:gridCol w="2556911">
+                  <a:extLst>
+                    <a:ext uri="{9D8B030D-6E8A-4147-A177-3AD203B41FA5}">
+                      <a16:colId xmlns:a16="http://schemas.microsoft.com/office/drawing/2014/main" val="3766743063"/>
+                    </a:ext>
+                  </a:extLst>
+                </a:gridCol>
+                <a:gridCol w="2556911">
+                  <a:extLst>
+                    <a:ext uri="{9D8B030D-6E8A-4147-A177-3AD203B41FA5}">
+                      <a16:colId xmlns:a16="http://schemas.microsoft.com/office/drawing/2014/main" val="1542539998"/>
+                    </a:ext>
+                  </a:extLst>
+                </a:gridCol>
+                <a:gridCol w="2556911">
+                  <a:extLst>
+                    <a:ext uri="{9D8B030D-6E8A-4147-A177-3AD203B41FA5}">
+                      <a16:colId xmlns:a16="http://schemas.microsoft.com/office/drawing/2014/main" val="3974190146"/>
+                    </a:ext>
+                  </a:extLst>
+                </a:gridCol>
+              </a:tblGrid>
+              <a:tr h="2541663">
+                <a:tc>
+                  <a:txBody>
+                    <a:bodyPr/>
+                    <a:lstStyle/>
+                    <a:p>
+                      <a:endParaRPr lang="ru-RU" dirty="0"/>
+                    </a:p>
+                  </a:txBody>
+                  <a:tcPr>
+                    <a:lnL>
+                      <a:noFill/>
+                    </a:lnL>
+                    <a:lnR>
+                      <a:noFill/>
+                    </a:lnR>
+                    <a:lnT>
+                      <a:noFill/>
+                    </a:lnT>
+                    <a:lnB>
+                      <a:noFill/>
+                    </a:lnB>
+                    <a:lnTlToBr w="12700" cmpd="sng">
+                      <a:noFill/>
+                      <a:prstDash val="solid"/>
+                    </a:lnTlToBr>
+                    <a:lnBlToTr w="12700" cmpd="sng">
+                      <a:noFill/>
+                      <a:prstDash val="solid"/>
+                    </a:lnBlToTr>
+                  </a:tcPr>
+                </a:tc>
+                <a:tc>
+                  <a:txBody>
+                    <a:bodyPr/>
+                    <a:lstStyle/>
+                    <a:p>
+                      <a:endParaRPr lang="ru-RU" dirty="0"/>
+                    </a:p>
+                  </a:txBody>
+                  <a:tcPr>
+                    <a:lnL>
+                      <a:noFill/>
+                    </a:lnL>
+                  </a:tcPr>
+                </a:tc>
+                <a:tc>
+                  <a:txBody>
+                    <a:bodyPr/>
+                    <a:lstStyle/>
+                    <a:p>
+                      <a:endParaRPr lang="ru-RU" dirty="0"/>
+                    </a:p>
+                  </a:txBody>
+                  <a:tcPr/>
+                </a:tc>
+                <a:tc>
+                  <a:txBody>
+                    <a:bodyPr/>
+                    <a:lstStyle/>
+                    <a:p>
+                      <a:endParaRPr lang="ru-RU"/>
+                    </a:p>
+                  </a:txBody>
+                  <a:tcPr/>
+                </a:tc>
+                <a:extLst>
+                  <a:ext uri="{0D108BD9-81ED-4DB2-BD59-A6C34878D82A}">
+                    <a16:rowId xmlns:a16="http://schemas.microsoft.com/office/drawing/2014/main" val="763034482"/>
+                  </a:ext>
+                </a:extLst>
+              </a:tr>
+              <a:tr h="2541663">
+                <a:tc>
+                  <a:txBody>
+                    <a:bodyPr/>
+                    <a:lstStyle/>
+                    <a:p>
+                      <a:endParaRPr lang="ru-RU"/>
+                    </a:p>
+                  </a:txBody>
+                  <a:tcPr>
+                    <a:lnT>
+                      <a:noFill/>
+                    </a:lnT>
+                  </a:tcPr>
+                </a:tc>
+                <a:tc>
+                  <a:txBody>
+                    <a:bodyPr/>
+                    <a:lstStyle/>
+                    <a:p>
+                      <a:endParaRPr lang="ru-RU"/>
+                    </a:p>
+                  </a:txBody>
+                  <a:tcPr/>
+                </a:tc>
+                <a:tc>
+                  <a:txBody>
+                    <a:bodyPr/>
+                    <a:lstStyle/>
+                    <a:p>
+                      <a:endParaRPr lang="ru-RU"/>
+                    </a:p>
+                  </a:txBody>
+                  <a:tcPr/>
+                </a:tc>
+                <a:tc>
+                  <a:txBody>
+                    <a:bodyPr/>
+                    <a:lstStyle/>
+                    <a:p>
+                      <a:endParaRPr lang="ru-RU" dirty="0"/>
+                    </a:p>
+                  </a:txBody>
+                  <a:tcPr/>
+                </a:tc>
+                <a:extLst>
+                  <a:ext uri="{0D108BD9-81ED-4DB2-BD59-A6C34878D82A}">
+                    <a16:rowId xmlns:a16="http://schemas.microsoft.com/office/drawing/2014/main" val="1231031414"/>
+                  </a:ext>
+                </a:extLst>
+              </a:tr>
+            </a:tbl>
+          </a:graphicData>
+        </a:graphic>
+      </p:graphicFrame>
       <p:pic>
         <p:nvPicPr>
-          <p:cNvPr id="2054" name="Picture 6" descr="Can HTML, CSS and JavaScript create a website? | UltimateWB Blog | Web  Design Tips, News &amp; Insights"/>
+          <p:cNvPr id="17" name="Picture 2" descr="phpMyAdmin — Википедия"/>
+          <p:cNvPicPr>
+            <a:picLocks noChangeAspect="1" noChangeArrowheads="1"/>
+          </p:cNvPicPr>
+          <p:nvPr/>
+        </p:nvPicPr>
+        <p:blipFill>
+          <a:blip r:embed="rId12">
+            <a:extLst>
+              <a:ext uri="{28A0092B-C50C-407E-A947-70E740481C1C}">
+                <a14:useLocalDpi xmlns:a14="http://schemas.microsoft.com/office/drawing/2010/main" val="0"/>
+              </a:ext>
+            </a:extLst>
+          </a:blip>
+          <a:srcRect/>
+          <a:stretch>
+            <a:fillRect/>
+          </a:stretch>
+        </p:blipFill>
+        <p:spPr bwMode="auto">
+          <a:xfrm>
+            <a:off x="1376955" y="1806424"/>
+            <a:ext cx="2055795" cy="1213137"/>
+          </a:xfrm>
+          <a:prstGeom prst="rect">
+            <a:avLst/>
+          </a:prstGeom>
+          <a:noFill/>
+          <a:extLst>
+            <a:ext uri="{909E8E84-426E-40DD-AFC4-6F175D3DCCD1}">
+              <a14:hiddenFill xmlns:a14="http://schemas.microsoft.com/office/drawing/2010/main">
+                <a:solidFill>
+                  <a:srgbClr val="FFFFFF"/>
+                </a:solidFill>
+              </a14:hiddenFill>
+            </a:ext>
+          </a:extLst>
+        </p:spPr>
+      </p:pic>
+      <p:pic>
+        <p:nvPicPr>
+          <p:cNvPr id="18" name="Picture 2" descr="PHP — Википедия"/>
           <p:cNvPicPr>
             <a:picLocks noChangeAspect="1" noChangeArrowheads="1"/>
           </p:cNvPicPr>
@@ -6275,8 +6077,8 @@
         </p:blipFill>
         <p:spPr bwMode="auto">
           <a:xfrm>
-            <a:off x="4780126" y="2543264"/>
-            <a:ext cx="2695575" cy="1495202"/>
+            <a:off x="3948766" y="1715703"/>
+            <a:ext cx="2032172" cy="1394578"/>
           </a:xfrm>
           <a:prstGeom prst="rect">
             <a:avLst/>
@@ -6295,48 +6097,7 @@
       </p:pic>
       <p:pic>
         <p:nvPicPr>
-          <p:cNvPr id="2056" name="Picture 8" descr="Laravel — Википедия"/>
-          <p:cNvPicPr>
-            <a:picLocks noChangeAspect="1" noChangeArrowheads="1"/>
-          </p:cNvPicPr>
-          <p:nvPr/>
-        </p:nvPicPr>
-        <p:blipFill>
-          <a:blip r:embed="rId12" cstate="hqprint">
-            <a:extLst>
-              <a:ext uri="{28A0092B-C50C-407E-A947-70E740481C1C}">
-                <a14:useLocalDpi xmlns:a14="http://schemas.microsoft.com/office/drawing/2010/main" val="0"/>
-              </a:ext>
-            </a:extLst>
-          </a:blip>
-          <a:srcRect/>
-          <a:stretch>
-            <a:fillRect/>
-          </a:stretch>
-        </p:blipFill>
-        <p:spPr bwMode="auto">
-          <a:xfrm>
-            <a:off x="2184977" y="4843380"/>
-            <a:ext cx="1203324" cy="1251457"/>
-          </a:xfrm>
-          <a:prstGeom prst="rect">
-            <a:avLst/>
-          </a:prstGeom>
-          <a:noFill/>
-          <a:extLst>
-            <a:ext uri="{909E8E84-426E-40DD-AFC4-6F175D3DCCD1}">
-              <a14:hiddenFill xmlns:a14="http://schemas.microsoft.com/office/drawing/2010/main">
-                <a:solidFill>
-                  <a:srgbClr val="FFFFFF"/>
-                </a:solidFill>
-              </a14:hiddenFill>
-            </a:ext>
-          </a:extLst>
-        </p:spPr>
-      </p:pic>
-      <p:pic>
-        <p:nvPicPr>
-          <p:cNvPr id="2058" name="Picture 10" descr="draw.io Diagrams — бесплатно скачайте и установите в Windows | Microsoft  Store"/>
+          <p:cNvPr id="19" name="Picture 14" descr="https://sun9-87.userapi.com/s/v1/ig2/kKbrpJifnOc_a563N7A2UNlOC6GvY0dPyCgb-4XfSIcud2Kj9uCJPMDepE3ZaFfPH43rFOIAR4bjXRW_IPq6Rkk_.jpg?size=400x200&amp;quality=96&amp;type=album"/>
           <p:cNvPicPr>
             <a:picLocks noChangeAspect="1" noChangeArrowheads="1"/>
           </p:cNvPicPr>
@@ -6357,7 +6118,171 @@
         </p:blipFill>
         <p:spPr bwMode="auto">
           <a:xfrm>
-            <a:off x="9153716" y="2860497"/>
+            <a:off x="6269039" y="1755416"/>
+            <a:ext cx="2630304" cy="1315152"/>
+          </a:xfrm>
+          <a:prstGeom prst="rect">
+            <a:avLst/>
+          </a:prstGeom>
+          <a:noFill/>
+          <a:extLst>
+            <a:ext uri="{909E8E84-426E-40DD-AFC4-6F175D3DCCD1}">
+              <a14:hiddenFill xmlns:a14="http://schemas.microsoft.com/office/drawing/2010/main">
+                <a:solidFill>
+                  <a:srgbClr val="FFFFFF"/>
+                </a:solidFill>
+              </a14:hiddenFill>
+            </a:ext>
+          </a:extLst>
+        </p:spPr>
+      </p:pic>
+      <p:pic>
+        <p:nvPicPr>
+          <p:cNvPr id="20" name="Picture 8" descr="Laravel — Википедия"/>
+          <p:cNvPicPr>
+            <a:picLocks noChangeAspect="1" noChangeArrowheads="1"/>
+          </p:cNvPicPr>
+          <p:nvPr/>
+        </p:nvPicPr>
+        <p:blipFill>
+          <a:blip r:embed="rId11" cstate="hqprint">
+            <a:extLst>
+              <a:ext uri="{28A0092B-C50C-407E-A947-70E740481C1C}">
+                <a14:useLocalDpi xmlns:a14="http://schemas.microsoft.com/office/drawing/2010/main" val="0"/>
+              </a:ext>
+            </a:extLst>
+          </a:blip>
+          <a:srcRect/>
+          <a:stretch>
+            <a:fillRect/>
+          </a:stretch>
+        </p:blipFill>
+        <p:spPr bwMode="auto">
+          <a:xfrm>
+            <a:off x="9524909" y="1787263"/>
+            <a:ext cx="1203324" cy="1251457"/>
+          </a:xfrm>
+          <a:prstGeom prst="rect">
+            <a:avLst/>
+          </a:prstGeom>
+          <a:noFill/>
+          <a:extLst>
+            <a:ext uri="{909E8E84-426E-40DD-AFC4-6F175D3DCCD1}">
+              <a14:hiddenFill xmlns:a14="http://schemas.microsoft.com/office/drawing/2010/main">
+                <a:solidFill>
+                  <a:srgbClr val="FFFFFF"/>
+                </a:solidFill>
+              </a14:hiddenFill>
+            </a:ext>
+          </a:extLst>
+        </p:spPr>
+      </p:pic>
+      <p:pic>
+        <p:nvPicPr>
+          <p:cNvPr id="21" name="Picture 6" descr="Can HTML, CSS and JavaScript create a website? | UltimateWB Blog | Web  Design Tips, News &amp; Insights"/>
+          <p:cNvPicPr>
+            <a:picLocks noChangeAspect="1" noChangeArrowheads="1"/>
+          </p:cNvPicPr>
+          <p:nvPr/>
+        </p:nvPicPr>
+        <p:blipFill>
+          <a:blip r:embed="rId15" cstate="hqprint">
+            <a:extLst>
+              <a:ext uri="{28A0092B-C50C-407E-A947-70E740481C1C}">
+                <a14:useLocalDpi xmlns:a14="http://schemas.microsoft.com/office/drawing/2010/main" val="0"/>
+              </a:ext>
+            </a:extLst>
+          </a:blip>
+          <a:srcRect/>
+          <a:stretch>
+            <a:fillRect/>
+          </a:stretch>
+        </p:blipFill>
+        <p:spPr bwMode="auto">
+          <a:xfrm>
+            <a:off x="1057064" y="4296110"/>
+            <a:ext cx="2695575" cy="1495202"/>
+          </a:xfrm>
+          <a:prstGeom prst="rect">
+            <a:avLst/>
+          </a:prstGeom>
+          <a:noFill/>
+          <a:extLst>
+            <a:ext uri="{909E8E84-426E-40DD-AFC4-6F175D3DCCD1}">
+              <a14:hiddenFill xmlns:a14="http://schemas.microsoft.com/office/drawing/2010/main">
+                <a:solidFill>
+                  <a:srgbClr val="FFFFFF"/>
+                </a:solidFill>
+              </a14:hiddenFill>
+            </a:ext>
+          </a:extLst>
+        </p:spPr>
+      </p:pic>
+      <p:pic>
+        <p:nvPicPr>
+          <p:cNvPr id="22" name="Picture 8" descr="https://blog.jetbrains.com/wp-content/uploads/2019/08/phpstorm.png"/>
+          <p:cNvPicPr>
+            <a:picLocks noChangeAspect="1" noChangeArrowheads="1"/>
+          </p:cNvPicPr>
+          <p:nvPr/>
+        </p:nvPicPr>
+        <p:blipFill>
+          <a:blip r:embed="rId16" cstate="hqprint">
+            <a:extLst>
+              <a:ext uri="{28A0092B-C50C-407E-A947-70E740481C1C}">
+                <a14:useLocalDpi xmlns:a14="http://schemas.microsoft.com/office/drawing/2010/main" val="0"/>
+              </a:ext>
+            </a:extLst>
+          </a:blip>
+          <a:srcRect/>
+          <a:stretch>
+            <a:fillRect/>
+          </a:stretch>
+        </p:blipFill>
+        <p:spPr bwMode="auto">
+          <a:xfrm>
+            <a:off x="4209648" y="4296110"/>
+            <a:ext cx="1510407" cy="1510407"/>
+          </a:xfrm>
+          <a:prstGeom prst="rect">
+            <a:avLst/>
+          </a:prstGeom>
+          <a:noFill/>
+          <a:extLst>
+            <a:ext uri="{909E8E84-426E-40DD-AFC4-6F175D3DCCD1}">
+              <a14:hiddenFill xmlns:a14="http://schemas.microsoft.com/office/drawing/2010/main">
+                <a:solidFill>
+                  <a:srgbClr val="FFFFFF"/>
+                </a:solidFill>
+              </a14:hiddenFill>
+            </a:ext>
+          </a:extLst>
+        </p:spPr>
+      </p:pic>
+      <p:pic>
+        <p:nvPicPr>
+          <p:cNvPr id="23" name="Picture 10" descr="draw.io Diagrams — бесплатно скачайте и установите в Windows | Microsoft  Store"/>
+          <p:cNvPicPr>
+            <a:picLocks noChangeAspect="1" noChangeArrowheads="1"/>
+          </p:cNvPicPr>
+          <p:nvPr/>
+        </p:nvPicPr>
+        <p:blipFill>
+          <a:blip r:embed="rId17">
+            <a:extLst>
+              <a:ext uri="{28A0092B-C50C-407E-A947-70E740481C1C}">
+                <a14:useLocalDpi xmlns:a14="http://schemas.microsoft.com/office/drawing/2010/main" val="0"/>
+              </a:ext>
+            </a:extLst>
+          </a:blip>
+          <a:srcRect/>
+          <a:stretch>
+            <a:fillRect/>
+          </a:stretch>
+        </p:blipFill>
+        <p:spPr bwMode="auto">
+          <a:xfrm>
+            <a:off x="6874332" y="4333851"/>
             <a:ext cx="1419718" cy="1419719"/>
           </a:xfrm>
           <a:prstGeom prst="rect">
@@ -6375,10 +6300,916 @@
           </a:extLst>
         </p:spPr>
       </p:pic>
+      <p:pic>
+        <p:nvPicPr>
+          <p:cNvPr id="24" name="Рисунок 23">
+            <a:extLst>
+              <a:ext uri="{FF2B5EF4-FFF2-40B4-BE49-F238E27FC236}">
+                <a16:creationId xmlns:a16="http://schemas.microsoft.com/office/drawing/2014/main" id="{E9ED9F1C-5E01-1565-DC29-EF18F3E5A9AC}"/>
+              </a:ext>
+            </a:extLst>
+          </p:cNvPr>
+          <p:cNvPicPr>
+            <a:picLocks noChangeAspect="1"/>
+          </p:cNvPicPr>
+          <p:nvPr/>
+        </p:nvPicPr>
+        <p:blipFill>
+          <a:blip r:embed="rId18" cstate="hqprint">
+            <a:extLst>
+              <a:ext uri="{28A0092B-C50C-407E-A947-70E740481C1C}">
+                <a14:useLocalDpi xmlns:a14="http://schemas.microsoft.com/office/drawing/2010/main" val="0"/>
+              </a:ext>
+            </a:extLst>
+          </a:blip>
+          <a:stretch>
+            <a:fillRect/>
+          </a:stretch>
+        </p:blipFill>
+        <p:spPr>
+          <a:xfrm>
+            <a:off x="8759800" y="4440113"/>
+            <a:ext cx="2444800" cy="1222400"/>
+          </a:xfrm>
+          <a:prstGeom prst="rect">
+            <a:avLst/>
+          </a:prstGeom>
+        </p:spPr>
+      </p:pic>
     </p:spTree>
     <p:extLst>
       <p:ext uri="{BB962C8B-B14F-4D97-AF65-F5344CB8AC3E}">
-        <p14:creationId xmlns:p14="http://schemas.microsoft.com/office/powerpoint/2010/main" val="3755090266"/>
+        <p14:creationId xmlns:p14="http://schemas.microsoft.com/office/powerpoint/2010/main" val="3010681318"/>
+      </p:ext>
+    </p:extLst>
+  </p:cSld>
+  <p:clrMapOvr>
+    <a:masterClrMapping/>
+  </p:clrMapOvr>
+  <mc:AlternateContent xmlns:mc="http://schemas.openxmlformats.org/markup-compatibility/2006" xmlns:p14="http://schemas.microsoft.com/office/powerpoint/2010/main">
+    <mc:Choice Requires="p14">
+      <p:transition spd="slow" p14:dur="2000">
+        <p:push/>
+      </p:transition>
+    </mc:Choice>
+    <mc:Fallback xmlns="">
+      <p:transition spd="slow">
+        <p:push/>
+      </p:transition>
+    </mc:Fallback>
+  </mc:AlternateContent>
+  <p:timing>
+    <p:tnLst>
+      <p:par>
+        <p:cTn id="1" dur="indefinite" restart="never" nodeType="tmRoot"/>
+      </p:par>
+    </p:tnLst>
+  </p:timing>
+</p:sld>
+</file>
+
+<file path=ppt/slides/slide5.xml><?xml version="1.0" encoding="utf-8"?>
+<p:sld xmlns:a="http://schemas.openxmlformats.org/drawingml/2006/main" xmlns:r="http://schemas.openxmlformats.org/officeDocument/2006/relationships" xmlns:p="http://schemas.openxmlformats.org/presentationml/2006/main">
+  <p:cSld>
+    <p:spTree>
+      <p:nvGrpSpPr>
+        <p:cNvPr id="1" name=""/>
+        <p:cNvGrpSpPr/>
+        <p:nvPr/>
+      </p:nvGrpSpPr>
+      <p:grpSpPr>
+        <a:xfrm>
+          <a:off x="0" y="0"/>
+          <a:ext cx="0" cy="0"/>
+          <a:chOff x="0" y="0"/>
+          <a:chExt cx="0" cy="0"/>
+        </a:xfrm>
+      </p:grpSpPr>
+      <p:sp>
+        <p:nvSpPr>
+          <p:cNvPr id="3" name="TextBox 2">
+            <a:extLst>
+              <a:ext uri="{FF2B5EF4-FFF2-40B4-BE49-F238E27FC236}">
+                <a16:creationId xmlns:a16="http://schemas.microsoft.com/office/drawing/2014/main" id="{20B171EF-6693-4BB7-9FDD-105B207BB204}"/>
+              </a:ext>
+            </a:extLst>
+          </p:cNvPr>
+          <p:cNvSpPr txBox="1"/>
+          <p:nvPr/>
+        </p:nvSpPr>
+        <p:spPr>
+          <a:xfrm>
+            <a:off x="2098302" y="471155"/>
+            <a:ext cx="7765273" cy="523220"/>
+          </a:xfrm>
+          <a:prstGeom prst="rect">
+            <a:avLst/>
+          </a:prstGeom>
+          <a:noFill/>
+        </p:spPr>
+        <p:txBody>
+          <a:bodyPr wrap="square">
+            <a:spAutoFit/>
+          </a:bodyPr>
+          <a:lstStyle/>
+          <a:p>
+            <a:r>
+              <a:rPr lang="ru-RU" sz="2800" cap="all" dirty="0" smtClean="0">
+                <a:latin typeface="Roboto Condensed Medium" panose="02000000000000000000" pitchFamily="2" charset="0"/>
+                <a:ea typeface="Roboto Condensed Medium" panose="02000000000000000000" pitchFamily="2" charset="0"/>
+              </a:rPr>
+              <a:t>заключение</a:t>
+            </a:r>
+            <a:endParaRPr lang="ru-RU" sz="2800" cap="all" dirty="0">
+              <a:latin typeface="Roboto Condensed Medium" panose="02000000000000000000" pitchFamily="2" charset="0"/>
+              <a:ea typeface="Roboto Condensed Medium" panose="02000000000000000000" pitchFamily="2" charset="0"/>
+            </a:endParaRPr>
+          </a:p>
+        </p:txBody>
+      </p:sp>
+      <p:pic>
+        <p:nvPicPr>
+          <p:cNvPr id="4" name="Рисунок 3">
+            <a:extLst>
+              <a:ext uri="{FF2B5EF4-FFF2-40B4-BE49-F238E27FC236}">
+                <a16:creationId xmlns:a16="http://schemas.microsoft.com/office/drawing/2014/main" id="{278A2024-FD23-4821-BEFC-624C4B6C188A}"/>
+              </a:ext>
+            </a:extLst>
+          </p:cNvPr>
+          <p:cNvPicPr>
+            <a:picLocks noChangeAspect="1"/>
+          </p:cNvPicPr>
+          <p:nvPr/>
+        </p:nvPicPr>
+        <p:blipFill rotWithShape="1">
+          <a:blip r:embed="rId3" cstate="hqprint">
+            <a:extLst>
+              <a:ext uri="{28A0092B-C50C-407E-A947-70E740481C1C}">
+                <a14:useLocalDpi xmlns:a14="http://schemas.microsoft.com/office/drawing/2010/main" val="0"/>
+              </a:ext>
+              <a:ext uri="{96DAC541-7B7A-43D3-8B79-37D633B846F1}">
+                <asvg:svgBlip xmlns="" xmlns:asvg="http://schemas.microsoft.com/office/drawing/2016/SVG/main" r:embed="rId4"/>
+              </a:ext>
+            </a:extLst>
+          </a:blip>
+          <a:srcRect l="3229" t="10555" r="3438" b="18889"/>
+          <a:stretch/>
+        </p:blipFill>
+        <p:spPr>
+          <a:xfrm>
+            <a:off x="192500" y="192506"/>
+            <a:ext cx="933656" cy="529349"/>
+          </a:xfrm>
+          <a:prstGeom prst="rect">
+            <a:avLst/>
+          </a:prstGeom>
+        </p:spPr>
+      </p:pic>
+      <p:sp>
+        <p:nvSpPr>
+          <p:cNvPr id="2" name="Номер слайда 1"/>
+          <p:cNvSpPr>
+            <a:spLocks noGrp="1"/>
+          </p:cNvSpPr>
+          <p:nvPr>
+            <p:ph type="sldNum" sz="quarter" idx="12"/>
+          </p:nvPr>
+        </p:nvSpPr>
+        <p:spPr/>
+        <p:txBody>
+          <a:bodyPr/>
+          <a:lstStyle/>
+          <a:p>
+            <a:fld id="{5355A0D1-120D-4DB6-94D2-1906375F5EF1}" type="slidenum">
+              <a:rPr lang="ru-RU" smtClean="0"/>
+              <a:t>5</a:t>
+            </a:fld>
+            <a:endParaRPr lang="ru-RU"/>
+          </a:p>
+        </p:txBody>
+      </p:sp>
+      <p:pic>
+        <p:nvPicPr>
+          <p:cNvPr id="12" name="Рисунок 11">
+            <a:extLst>
+              <a:ext uri="{FF2B5EF4-FFF2-40B4-BE49-F238E27FC236}">
+                <a16:creationId xmlns:a16="http://schemas.microsoft.com/office/drawing/2014/main" id="{9BE4BA93-8B83-43B4-9870-81C991D8E846}"/>
+              </a:ext>
+            </a:extLst>
+          </p:cNvPr>
+          <p:cNvPicPr>
+            <a:picLocks noChangeAspect="1"/>
+          </p:cNvPicPr>
+          <p:nvPr/>
+        </p:nvPicPr>
+        <p:blipFill rotWithShape="1">
+          <a:blip r:embed="rId5" cstate="hqprint">
+            <a:extLst>
+              <a:ext uri="{28A0092B-C50C-407E-A947-70E740481C1C}">
+                <a14:useLocalDpi xmlns:a14="http://schemas.microsoft.com/office/drawing/2010/main" val="0"/>
+              </a:ext>
+              <a:ext uri="{96DAC541-7B7A-43D3-8B79-37D633B846F1}">
+                <asvg:svgBlip xmlns="" xmlns:asvg="http://schemas.microsoft.com/office/drawing/2016/SVG/main" r:embed="rId10"/>
+              </a:ext>
+            </a:extLst>
+          </a:blip>
+          <a:srcRect l="3229" t="10555" r="3438" b="18889"/>
+          <a:stretch/>
+        </p:blipFill>
+        <p:spPr>
+          <a:xfrm>
+            <a:off x="192500" y="192506"/>
+            <a:ext cx="1905802" cy="1080519"/>
+          </a:xfrm>
+          <a:prstGeom prst="rect">
+            <a:avLst/>
+          </a:prstGeom>
+        </p:spPr>
+      </p:pic>
+      <p:pic>
+        <p:nvPicPr>
+          <p:cNvPr id="2052" name="Picture 4" descr="Laravel — Википедия"/>
+          <p:cNvPicPr>
+            <a:picLocks noChangeAspect="1" noChangeArrowheads="1"/>
+          </p:cNvPicPr>
+          <p:nvPr/>
+        </p:nvPicPr>
+        <p:blipFill>
+          <a:blip r:embed="rId11" cstate="hqprint">
+            <a:extLst>
+              <a:ext uri="{28A0092B-C50C-407E-A947-70E740481C1C}">
+                <a14:useLocalDpi xmlns:a14="http://schemas.microsoft.com/office/drawing/2010/main" val="0"/>
+              </a:ext>
+            </a:extLst>
+          </a:blip>
+          <a:srcRect/>
+          <a:stretch>
+            <a:fillRect/>
+          </a:stretch>
+        </p:blipFill>
+        <p:spPr bwMode="auto">
+          <a:xfrm>
+            <a:off x="7497658" y="14861668"/>
+            <a:ext cx="173067" cy="179990"/>
+          </a:xfrm>
+          <a:prstGeom prst="rect">
+            <a:avLst/>
+          </a:prstGeom>
+          <a:noFill/>
+          <a:extLst>
+            <a:ext uri="{909E8E84-426E-40DD-AFC4-6F175D3DCCD1}">
+              <a14:hiddenFill xmlns:a14="http://schemas.microsoft.com/office/drawing/2010/main">
+                <a:solidFill>
+                  <a:srgbClr val="FFFFFF"/>
+                </a:solidFill>
+              </a14:hiddenFill>
+            </a:ext>
+          </a:extLst>
+        </p:spPr>
+      </p:pic>
+      <p:sp>
+        <p:nvSpPr>
+          <p:cNvPr id="5" name="Прямоугольник 4"/>
+          <p:cNvSpPr/>
+          <p:nvPr/>
+        </p:nvSpPr>
+        <p:spPr>
+          <a:xfrm>
+            <a:off x="4622725" y="2812955"/>
+            <a:ext cx="6096000" cy="1938992"/>
+          </a:xfrm>
+          <a:prstGeom prst="rect">
+            <a:avLst/>
+          </a:prstGeom>
+        </p:spPr>
+        <p:txBody>
+          <a:bodyPr>
+            <a:spAutoFit/>
+          </a:bodyPr>
+          <a:lstStyle/>
+          <a:p>
+            <a:pPr marL="21590" lvl="0" indent="0" algn="just">
+              <a:buNone/>
+            </a:pPr>
+            <a:r>
+              <a:rPr lang="ru-RU" sz="2400" dirty="0">
+                <a:latin typeface="Roboto Condensed Medium" panose="02000000000000000000" pitchFamily="2" charset="0"/>
+                <a:ea typeface="Roboto Condensed Medium" panose="02000000000000000000" pitchFamily="2" charset="0"/>
+              </a:rPr>
+              <a:t>В ходе проекта </a:t>
+            </a:r>
+            <a:r>
+              <a:rPr lang="ru-RU" sz="2400" dirty="0" smtClean="0">
+                <a:latin typeface="Roboto Condensed Medium" panose="02000000000000000000" pitchFamily="2" charset="0"/>
+                <a:ea typeface="Roboto Condensed Medium" panose="02000000000000000000" pitchFamily="2" charset="0"/>
+              </a:rPr>
+              <a:t>все поставленные </a:t>
+            </a:r>
+            <a:r>
+              <a:rPr lang="ru-RU" sz="2400" dirty="0">
+                <a:latin typeface="Roboto Condensed Medium" panose="02000000000000000000" pitchFamily="2" charset="0"/>
+                <a:ea typeface="Roboto Condensed Medium" panose="02000000000000000000" pitchFamily="2" charset="0"/>
+              </a:rPr>
+              <a:t>задачи успешно выполнены, цель </a:t>
+            </a:r>
+            <a:r>
+              <a:rPr lang="ru-RU" sz="2400" dirty="0" smtClean="0">
+                <a:latin typeface="Roboto Condensed Medium" panose="02000000000000000000" pitchFamily="2" charset="0"/>
+                <a:ea typeface="Roboto Condensed Medium" panose="02000000000000000000" pitchFamily="2" charset="0"/>
+              </a:rPr>
+              <a:t>дипломного проекта достигнута</a:t>
+            </a:r>
+            <a:r>
+              <a:rPr lang="ru-RU" sz="2400" dirty="0">
+                <a:latin typeface="Roboto Condensed Medium" panose="02000000000000000000" pitchFamily="2" charset="0"/>
+                <a:ea typeface="Roboto Condensed Medium" panose="02000000000000000000" pitchFamily="2" charset="0"/>
+              </a:rPr>
+              <a:t>.</a:t>
+            </a:r>
+            <a:endParaRPr lang="en-US" sz="2400" dirty="0">
+              <a:latin typeface="Roboto Condensed Medium" panose="02000000000000000000" pitchFamily="2" charset="0"/>
+              <a:ea typeface="Roboto Condensed Medium" panose="02000000000000000000" pitchFamily="2" charset="0"/>
+            </a:endParaRPr>
+          </a:p>
+          <a:p>
+            <a:pPr marL="21590" algn="just"/>
+            <a:endParaRPr lang="ru-RU" sz="2400" dirty="0"/>
+          </a:p>
+          <a:p>
+            <a:pPr marL="21590" lvl="0" indent="0" algn="just">
+              <a:buNone/>
+            </a:pPr>
+            <a:endParaRPr lang="ru-RU" sz="2400" dirty="0"/>
+          </a:p>
+        </p:txBody>
+      </p:sp>
+      <p:pic>
+        <p:nvPicPr>
+          <p:cNvPr id="11" name="Рисунок 10"/>
+          <p:cNvPicPr>
+            <a:picLocks noChangeAspect="1"/>
+          </p:cNvPicPr>
+          <p:nvPr/>
+        </p:nvPicPr>
+        <p:blipFill>
+          <a:blip r:embed="rId12" cstate="print">
+            <a:extLst>
+              <a:ext uri="{28A0092B-C50C-407E-A947-70E740481C1C}">
+                <a14:useLocalDpi xmlns:a14="http://schemas.microsoft.com/office/drawing/2010/main" val="0"/>
+              </a:ext>
+            </a:extLst>
+          </a:blip>
+          <a:stretch>
+            <a:fillRect/>
+          </a:stretch>
+        </p:blipFill>
+        <p:spPr>
+          <a:xfrm>
+            <a:off x="1507263" y="1967443"/>
+            <a:ext cx="3115462" cy="2971117"/>
+          </a:xfrm>
+          <a:prstGeom prst="rect">
+            <a:avLst/>
+          </a:prstGeom>
+        </p:spPr>
+      </p:pic>
+    </p:spTree>
+    <p:extLst>
+      <p:ext uri="{BB962C8B-B14F-4D97-AF65-F5344CB8AC3E}">
+        <p14:creationId xmlns:p14="http://schemas.microsoft.com/office/powerpoint/2010/main" val="106404061"/>
+      </p:ext>
+    </p:extLst>
+  </p:cSld>
+  <p:clrMapOvr>
+    <a:masterClrMapping/>
+  </p:clrMapOvr>
+  <mc:AlternateContent xmlns:mc="http://schemas.openxmlformats.org/markup-compatibility/2006" xmlns:p14="http://schemas.microsoft.com/office/powerpoint/2010/main">
+    <mc:Choice Requires="p14">
+      <p:transition spd="slow" p14:dur="2000">
+        <p:push/>
+      </p:transition>
+    </mc:Choice>
+    <mc:Fallback xmlns="">
+      <p:transition spd="slow">
+        <p:push/>
+      </p:transition>
+    </mc:Fallback>
+  </mc:AlternateContent>
+  <p:timing>
+    <p:tnLst>
+      <p:par>
+        <p:cTn id="1" dur="indefinite" restart="never" nodeType="tmRoot"/>
+      </p:par>
+    </p:tnLst>
+  </p:timing>
+</p:sld>
+</file>
+
+<file path=ppt/slides/slide6.xml><?xml version="1.0" encoding="utf-8"?>
+<p:sld xmlns:a="http://schemas.openxmlformats.org/drawingml/2006/main" xmlns:r="http://schemas.openxmlformats.org/officeDocument/2006/relationships" xmlns:p="http://schemas.openxmlformats.org/presentationml/2006/main">
+  <p:cSld>
+    <p:spTree>
+      <p:nvGrpSpPr>
+        <p:cNvPr id="1" name=""/>
+        <p:cNvGrpSpPr/>
+        <p:nvPr/>
+      </p:nvGrpSpPr>
+      <p:grpSpPr>
+        <a:xfrm>
+          <a:off x="0" y="0"/>
+          <a:ext cx="0" cy="0"/>
+          <a:chOff x="0" y="0"/>
+          <a:chExt cx="0" cy="0"/>
+        </a:xfrm>
+      </p:grpSpPr>
+      <p:sp>
+        <p:nvSpPr>
+          <p:cNvPr id="3" name="TextBox 2">
+            <a:extLst>
+              <a:ext uri="{FF2B5EF4-FFF2-40B4-BE49-F238E27FC236}">
+                <a16:creationId xmlns:a16="http://schemas.microsoft.com/office/drawing/2014/main" id="{20B171EF-6693-4BB7-9FDD-105B207BB204}"/>
+              </a:ext>
+            </a:extLst>
+          </p:cNvPr>
+          <p:cNvSpPr txBox="1"/>
+          <p:nvPr/>
+        </p:nvSpPr>
+        <p:spPr>
+          <a:xfrm>
+            <a:off x="2098302" y="471155"/>
+            <a:ext cx="7765273" cy="523220"/>
+          </a:xfrm>
+          <a:prstGeom prst="rect">
+            <a:avLst/>
+          </a:prstGeom>
+          <a:noFill/>
+        </p:spPr>
+        <p:txBody>
+          <a:bodyPr wrap="square">
+            <a:spAutoFit/>
+          </a:bodyPr>
+          <a:lstStyle/>
+          <a:p>
+            <a:r>
+              <a:rPr lang="ru-RU" sz="2800" cap="all" dirty="0" smtClean="0">
+                <a:latin typeface="Roboto Condensed Medium" panose="02000000000000000000" pitchFamily="2" charset="0"/>
+                <a:ea typeface="Roboto Condensed Medium" panose="02000000000000000000" pitchFamily="2" charset="0"/>
+              </a:rPr>
+              <a:t>СПАСИБО ЗА ВНИМАНИЕ</a:t>
+            </a:r>
+            <a:endParaRPr lang="ru-RU" sz="2800" cap="all" dirty="0">
+              <a:latin typeface="Roboto Condensed Medium" panose="02000000000000000000" pitchFamily="2" charset="0"/>
+              <a:ea typeface="Roboto Condensed Medium" panose="02000000000000000000" pitchFamily="2" charset="0"/>
+            </a:endParaRPr>
+          </a:p>
+        </p:txBody>
+      </p:sp>
+      <p:pic>
+        <p:nvPicPr>
+          <p:cNvPr id="4" name="Рисунок 3">
+            <a:extLst>
+              <a:ext uri="{FF2B5EF4-FFF2-40B4-BE49-F238E27FC236}">
+                <a16:creationId xmlns:a16="http://schemas.microsoft.com/office/drawing/2014/main" id="{278A2024-FD23-4821-BEFC-624C4B6C188A}"/>
+              </a:ext>
+            </a:extLst>
+          </p:cNvPr>
+          <p:cNvPicPr>
+            <a:picLocks noChangeAspect="1"/>
+          </p:cNvPicPr>
+          <p:nvPr/>
+        </p:nvPicPr>
+        <p:blipFill rotWithShape="1">
+          <a:blip r:embed="rId3" cstate="hqprint">
+            <a:extLst>
+              <a:ext uri="{28A0092B-C50C-407E-A947-70E740481C1C}">
+                <a14:useLocalDpi xmlns:a14="http://schemas.microsoft.com/office/drawing/2010/main" val="0"/>
+              </a:ext>
+              <a:ext uri="{96DAC541-7B7A-43D3-8B79-37D633B846F1}">
+                <asvg:svgBlip xmlns="" xmlns:asvg="http://schemas.microsoft.com/office/drawing/2016/SVG/main" r:embed="rId4"/>
+              </a:ext>
+            </a:extLst>
+          </a:blip>
+          <a:srcRect l="3229" t="10555" r="3438" b="18889"/>
+          <a:stretch/>
+        </p:blipFill>
+        <p:spPr>
+          <a:xfrm>
+            <a:off x="192500" y="192506"/>
+            <a:ext cx="933656" cy="529349"/>
+          </a:xfrm>
+          <a:prstGeom prst="rect">
+            <a:avLst/>
+          </a:prstGeom>
+        </p:spPr>
+      </p:pic>
+      <p:sp>
+        <p:nvSpPr>
+          <p:cNvPr id="2" name="Номер слайда 1"/>
+          <p:cNvSpPr>
+            <a:spLocks noGrp="1"/>
+          </p:cNvSpPr>
+          <p:nvPr>
+            <p:ph type="sldNum" sz="quarter" idx="12"/>
+          </p:nvPr>
+        </p:nvSpPr>
+        <p:spPr/>
+        <p:txBody>
+          <a:bodyPr/>
+          <a:lstStyle/>
+          <a:p>
+            <a:fld id="{5355A0D1-120D-4DB6-94D2-1906375F5EF1}" type="slidenum">
+              <a:rPr lang="ru-RU" smtClean="0"/>
+              <a:t>6</a:t>
+            </a:fld>
+            <a:endParaRPr lang="ru-RU"/>
+          </a:p>
+        </p:txBody>
+      </p:sp>
+      <p:pic>
+        <p:nvPicPr>
+          <p:cNvPr id="12" name="Рисунок 11">
+            <a:extLst>
+              <a:ext uri="{FF2B5EF4-FFF2-40B4-BE49-F238E27FC236}">
+                <a16:creationId xmlns:a16="http://schemas.microsoft.com/office/drawing/2014/main" id="{9BE4BA93-8B83-43B4-9870-81C991D8E846}"/>
+              </a:ext>
+            </a:extLst>
+          </p:cNvPr>
+          <p:cNvPicPr>
+            <a:picLocks noChangeAspect="1"/>
+          </p:cNvPicPr>
+          <p:nvPr/>
+        </p:nvPicPr>
+        <p:blipFill rotWithShape="1">
+          <a:blip r:embed="rId5" cstate="hqprint">
+            <a:extLst>
+              <a:ext uri="{28A0092B-C50C-407E-A947-70E740481C1C}">
+                <a14:useLocalDpi xmlns:a14="http://schemas.microsoft.com/office/drawing/2010/main" val="0"/>
+              </a:ext>
+              <a:ext uri="{96DAC541-7B7A-43D3-8B79-37D633B846F1}">
+                <asvg:svgBlip xmlns="" xmlns:asvg="http://schemas.microsoft.com/office/drawing/2016/SVG/main" r:embed="rId10"/>
+              </a:ext>
+            </a:extLst>
+          </a:blip>
+          <a:srcRect l="3229" t="10555" r="3438" b="18889"/>
+          <a:stretch/>
+        </p:blipFill>
+        <p:spPr>
+          <a:xfrm>
+            <a:off x="192500" y="192506"/>
+            <a:ext cx="1905802" cy="1080519"/>
+          </a:xfrm>
+          <a:prstGeom prst="rect">
+            <a:avLst/>
+          </a:prstGeom>
+        </p:spPr>
+      </p:pic>
+      <p:pic>
+        <p:nvPicPr>
+          <p:cNvPr id="2052" name="Picture 4" descr="Laravel — Википедия"/>
+          <p:cNvPicPr>
+            <a:picLocks noChangeAspect="1" noChangeArrowheads="1"/>
+          </p:cNvPicPr>
+          <p:nvPr/>
+        </p:nvPicPr>
+        <p:blipFill>
+          <a:blip r:embed="rId11" cstate="hqprint">
+            <a:extLst>
+              <a:ext uri="{28A0092B-C50C-407E-A947-70E740481C1C}">
+                <a14:useLocalDpi xmlns:a14="http://schemas.microsoft.com/office/drawing/2010/main" val="0"/>
+              </a:ext>
+            </a:extLst>
+          </a:blip>
+          <a:srcRect/>
+          <a:stretch>
+            <a:fillRect/>
+          </a:stretch>
+        </p:blipFill>
+        <p:spPr bwMode="auto">
+          <a:xfrm>
+            <a:off x="7497658" y="14861668"/>
+            <a:ext cx="173067" cy="179990"/>
+          </a:xfrm>
+          <a:prstGeom prst="rect">
+            <a:avLst/>
+          </a:prstGeom>
+          <a:noFill/>
+          <a:extLst>
+            <a:ext uri="{909E8E84-426E-40DD-AFC4-6F175D3DCCD1}">
+              <a14:hiddenFill xmlns:a14="http://schemas.microsoft.com/office/drawing/2010/main">
+                <a:solidFill>
+                  <a:srgbClr val="FFFFFF"/>
+                </a:solidFill>
+              </a14:hiddenFill>
+            </a:ext>
+          </a:extLst>
+        </p:spPr>
+      </p:pic>
+      <p:grpSp>
+        <p:nvGrpSpPr>
+          <p:cNvPr id="6" name="Группа 5"/>
+          <p:cNvGrpSpPr/>
+          <p:nvPr/>
+        </p:nvGrpSpPr>
+        <p:grpSpPr>
+          <a:xfrm>
+            <a:off x="5713766" y="2106356"/>
+            <a:ext cx="756000" cy="2655412"/>
+            <a:chOff x="5826832" y="2106356"/>
+            <a:chExt cx="756000" cy="2655412"/>
+          </a:xfrm>
+        </p:grpSpPr>
+        <p:pic>
+          <p:nvPicPr>
+            <p:cNvPr id="1026" name="Picture 2" descr="Picture background"/>
+            <p:cNvPicPr>
+              <a:picLocks noChangeAspect="1" noChangeArrowheads="1"/>
+            </p:cNvPicPr>
+            <p:nvPr/>
+          </p:nvPicPr>
+          <p:blipFill>
+            <a:blip r:embed="rId12" cstate="hqprint">
+              <a:extLst>
+                <a:ext uri="{28A0092B-C50C-407E-A947-70E740481C1C}">
+                  <a14:useLocalDpi xmlns:a14="http://schemas.microsoft.com/office/drawing/2010/main" val="0"/>
+                </a:ext>
+              </a:extLst>
+            </a:blip>
+            <a:srcRect/>
+            <a:stretch>
+              <a:fillRect/>
+            </a:stretch>
+          </p:blipFill>
+          <p:spPr bwMode="auto">
+            <a:xfrm>
+              <a:off x="5859970" y="2106356"/>
+              <a:ext cx="722862" cy="756000"/>
+            </a:xfrm>
+            <a:prstGeom prst="rect">
+              <a:avLst/>
+            </a:prstGeom>
+            <a:noFill/>
+            <a:extLst>
+              <a:ext uri="{909E8E84-426E-40DD-AFC4-6F175D3DCCD1}">
+                <a14:hiddenFill xmlns:a14="http://schemas.microsoft.com/office/drawing/2010/main">
+                  <a:solidFill>
+                    <a:srgbClr val="FFFFFF"/>
+                  </a:solidFill>
+                </a14:hiddenFill>
+              </a:ext>
+            </a:extLst>
+          </p:spPr>
+        </p:pic>
+        <p:pic>
+          <p:nvPicPr>
+            <p:cNvPr id="1028" name="Picture 4" descr="Picture background"/>
+            <p:cNvPicPr>
+              <a:picLocks noChangeAspect="1" noChangeArrowheads="1"/>
+            </p:cNvPicPr>
+            <p:nvPr/>
+          </p:nvPicPr>
+          <p:blipFill>
+            <a:blip r:embed="rId13" cstate="hqprint">
+              <a:extLst>
+                <a:ext uri="{28A0092B-C50C-407E-A947-70E740481C1C}">
+                  <a14:useLocalDpi xmlns:a14="http://schemas.microsoft.com/office/drawing/2010/main" val="0"/>
+                </a:ext>
+              </a:extLst>
+            </a:blip>
+            <a:srcRect/>
+            <a:stretch>
+              <a:fillRect/>
+            </a:stretch>
+          </p:blipFill>
+          <p:spPr bwMode="auto">
+            <a:xfrm>
+              <a:off x="5826832" y="3056062"/>
+              <a:ext cx="756000" cy="756000"/>
+            </a:xfrm>
+            <a:prstGeom prst="rect">
+              <a:avLst/>
+            </a:prstGeom>
+            <a:noFill/>
+            <a:extLst>
+              <a:ext uri="{909E8E84-426E-40DD-AFC4-6F175D3DCCD1}">
+                <a14:hiddenFill xmlns:a14="http://schemas.microsoft.com/office/drawing/2010/main">
+                  <a:solidFill>
+                    <a:srgbClr val="FFFFFF"/>
+                  </a:solidFill>
+                </a14:hiddenFill>
+              </a:ext>
+            </a:extLst>
+          </p:spPr>
+        </p:pic>
+        <p:pic>
+          <p:nvPicPr>
+            <p:cNvPr id="1032" name="Picture 8" descr="Picture background"/>
+            <p:cNvPicPr>
+              <a:picLocks noChangeAspect="1" noChangeArrowheads="1"/>
+            </p:cNvPicPr>
+            <p:nvPr/>
+          </p:nvPicPr>
+          <p:blipFill>
+            <a:blip r:embed="rId14" cstate="hqprint">
+              <a:extLst>
+                <a:ext uri="{28A0092B-C50C-407E-A947-70E740481C1C}">
+                  <a14:useLocalDpi xmlns:a14="http://schemas.microsoft.com/office/drawing/2010/main" val="0"/>
+                </a:ext>
+              </a:extLst>
+            </a:blip>
+            <a:srcRect/>
+            <a:stretch>
+              <a:fillRect/>
+            </a:stretch>
+          </p:blipFill>
+          <p:spPr bwMode="auto">
+            <a:xfrm>
+              <a:off x="5826832" y="4005768"/>
+              <a:ext cx="756000" cy="756000"/>
+            </a:xfrm>
+            <a:prstGeom prst="rect">
+              <a:avLst/>
+            </a:prstGeom>
+            <a:noFill/>
+            <a:extLst>
+              <a:ext uri="{909E8E84-426E-40DD-AFC4-6F175D3DCCD1}">
+                <a14:hiddenFill xmlns:a14="http://schemas.microsoft.com/office/drawing/2010/main">
+                  <a:solidFill>
+                    <a:srgbClr val="FFFFFF"/>
+                  </a:solidFill>
+                </a14:hiddenFill>
+              </a:ext>
+            </a:extLst>
+          </p:spPr>
+        </p:pic>
+      </p:grpSp>
+      <p:sp>
+        <p:nvSpPr>
+          <p:cNvPr id="8" name="Прямоугольник 7"/>
+          <p:cNvSpPr/>
+          <p:nvPr/>
+        </p:nvSpPr>
+        <p:spPr>
+          <a:xfrm>
+            <a:off x="2611702" y="4968642"/>
+            <a:ext cx="4350871" cy="461665"/>
+          </a:xfrm>
+          <a:prstGeom prst="rect">
+            <a:avLst/>
+          </a:prstGeom>
+        </p:spPr>
+        <p:txBody>
+          <a:bodyPr wrap="none">
+            <a:spAutoFit/>
+          </a:bodyPr>
+          <a:lstStyle/>
+          <a:p>
+            <a:r>
+              <a:rPr lang="ru-RU" sz="2400" cap="all" dirty="0">
+                <a:latin typeface="Roboto Condensed Medium" panose="02000000000000000000" pitchFamily="2" charset="0"/>
+                <a:ea typeface="Roboto Condensed Medium" panose="02000000000000000000" pitchFamily="2" charset="0"/>
+              </a:rPr>
+              <a:t>Волков Дмитрий Павлович</a:t>
+            </a:r>
+            <a:endParaRPr lang="ru-RU" sz="2400" cap="all" dirty="0">
+              <a:latin typeface="Roboto Condensed Medium" panose="02000000000000000000" pitchFamily="2" charset="0"/>
+              <a:ea typeface="Roboto Condensed Medium" panose="02000000000000000000" pitchFamily="2" charset="0"/>
+            </a:endParaRPr>
+          </a:p>
+        </p:txBody>
+      </p:sp>
+      <p:sp>
+        <p:nvSpPr>
+          <p:cNvPr id="9" name="Прямоугольник 8"/>
+          <p:cNvSpPr/>
+          <p:nvPr/>
+        </p:nvSpPr>
+        <p:spPr>
+          <a:xfrm>
+            <a:off x="6615304" y="2268912"/>
+            <a:ext cx="2826415" cy="430887"/>
+          </a:xfrm>
+          <a:prstGeom prst="rect">
+            <a:avLst/>
+          </a:prstGeom>
+        </p:spPr>
+        <p:txBody>
+          <a:bodyPr wrap="none">
+            <a:spAutoFit/>
+          </a:bodyPr>
+          <a:lstStyle/>
+          <a:p>
+            <a:r>
+              <a:rPr lang="ru-RU" sz="2200" cap="all" dirty="0" smtClean="0">
+                <a:latin typeface="Roboto Condensed Medium" panose="02000000000000000000" pitchFamily="2" charset="0"/>
+                <a:ea typeface="Roboto Condensed Medium" panose="02000000000000000000" pitchFamily="2" charset="0"/>
+              </a:rPr>
+              <a:t>+7(952)888-52-83</a:t>
+            </a:r>
+            <a:endParaRPr lang="ru-RU" sz="2200" cap="all" dirty="0">
+              <a:latin typeface="Roboto Condensed Medium" panose="02000000000000000000" pitchFamily="2" charset="0"/>
+              <a:ea typeface="Roboto Condensed Medium" panose="02000000000000000000" pitchFamily="2" charset="0"/>
+            </a:endParaRPr>
+          </a:p>
+        </p:txBody>
+      </p:sp>
+      <p:sp>
+        <p:nvSpPr>
+          <p:cNvPr id="26" name="Прямоугольник 25"/>
+          <p:cNvSpPr/>
+          <p:nvPr/>
+        </p:nvSpPr>
+        <p:spPr>
+          <a:xfrm>
+            <a:off x="6615304" y="3214795"/>
+            <a:ext cx="4312399" cy="430887"/>
+          </a:xfrm>
+          <a:prstGeom prst="rect">
+            <a:avLst/>
+          </a:prstGeom>
+        </p:spPr>
+        <p:txBody>
+          <a:bodyPr wrap="none">
+            <a:spAutoFit/>
+          </a:bodyPr>
+          <a:lstStyle/>
+          <a:p>
+            <a:r>
+              <a:rPr lang="en-US" sz="2200" cap="all" dirty="0">
+                <a:latin typeface="Roboto Condensed Medium" panose="02000000000000000000" pitchFamily="2" charset="0"/>
+                <a:ea typeface="Roboto Condensed Medium" panose="02000000000000000000" pitchFamily="2" charset="0"/>
+              </a:rPr>
+              <a:t>https://github.com/VARD0V</a:t>
+            </a:r>
+            <a:endParaRPr lang="ru-RU" sz="2200" cap="all" dirty="0">
+              <a:latin typeface="Roboto Condensed Medium" panose="02000000000000000000" pitchFamily="2" charset="0"/>
+              <a:ea typeface="Roboto Condensed Medium" panose="02000000000000000000" pitchFamily="2" charset="0"/>
+            </a:endParaRPr>
+          </a:p>
+        </p:txBody>
+      </p:sp>
+      <p:sp>
+        <p:nvSpPr>
+          <p:cNvPr id="27" name="Прямоугольник 26"/>
+          <p:cNvSpPr/>
+          <p:nvPr/>
+        </p:nvSpPr>
+        <p:spPr>
+          <a:xfrm>
+            <a:off x="6615304" y="4155859"/>
+            <a:ext cx="3817071" cy="430887"/>
+          </a:xfrm>
+          <a:prstGeom prst="rect">
+            <a:avLst/>
+          </a:prstGeom>
+        </p:spPr>
+        <p:txBody>
+          <a:bodyPr wrap="none">
+            <a:spAutoFit/>
+          </a:bodyPr>
+          <a:lstStyle/>
+          <a:p>
+            <a:r>
+              <a:rPr lang="en-US" sz="2200" dirty="0" smtClean="0">
+                <a:latin typeface="Roboto Condensed Medium" panose="02000000000000000000" pitchFamily="2" charset="0"/>
+                <a:ea typeface="Roboto Condensed Medium" panose="02000000000000000000" pitchFamily="2" charset="0"/>
+              </a:rPr>
+              <a:t>vard0v020830@gmail.com</a:t>
+            </a:r>
+            <a:endParaRPr lang="ru-RU" sz="2200" dirty="0">
+              <a:latin typeface="Roboto Condensed Medium" panose="02000000000000000000" pitchFamily="2" charset="0"/>
+              <a:ea typeface="Roboto Condensed Medium" panose="02000000000000000000" pitchFamily="2" charset="0"/>
+            </a:endParaRPr>
+          </a:p>
+        </p:txBody>
+      </p:sp>
+      <p:pic>
+        <p:nvPicPr>
+          <p:cNvPr id="10" name="Рисунок 9"/>
+          <p:cNvPicPr>
+            <a:picLocks noChangeAspect="1"/>
+          </p:cNvPicPr>
+          <p:nvPr/>
+        </p:nvPicPr>
+        <p:blipFill>
+          <a:blip r:embed="rId15"/>
+          <a:stretch>
+            <a:fillRect/>
+          </a:stretch>
+        </p:blipFill>
+        <p:spPr>
+          <a:xfrm>
+            <a:off x="2699422" y="1994062"/>
+            <a:ext cx="2892419" cy="2892419"/>
+          </a:xfrm>
+          <a:prstGeom prst="rect">
+            <a:avLst/>
+          </a:prstGeom>
+        </p:spPr>
+      </p:pic>
+    </p:spTree>
+    <p:extLst>
+      <p:ext uri="{BB962C8B-B14F-4D97-AF65-F5344CB8AC3E}">
+        <p14:creationId xmlns:p14="http://schemas.microsoft.com/office/powerpoint/2010/main" val="3216683938"/>
       </p:ext>
     </p:extLst>
   </p:cSld>
